--- a/TVCHH/TVCHH 177 - Bước Với Chúa Yêu Thương (TC 798).pptx
+++ b/TVCHH/TVCHH 177 - Bước Với Chúa Yêu Thương (TC 798).pptx
@@ -186,10 +186,9 @@
           <a:lstStyle/>
           <a:p>
             <a:r>
-              <a:rPr lang="en-US" smtClean="0"/>
+              <a:rPr lang="en-US"/>
               <a:t>Click to edit Master title style</a:t>
             </a:r>
-            <a:endParaRPr lang="en-US"/>
           </a:p>
         </p:txBody>
       </p:sp>
@@ -305,10 +304,9 @@
           </a:lstStyle>
           <a:p>
             <a:r>
-              <a:rPr lang="en-US" smtClean="0"/>
+              <a:rPr lang="en-US"/>
               <a:t>Click to edit Master subtitle style</a:t>
             </a:r>
-            <a:endParaRPr lang="en-US"/>
           </a:p>
         </p:txBody>
       </p:sp>
@@ -336,7 +334,7 @@
                 </a:solidFill>
               </a:rPr>
               <a:pPr/>
-              <a:t>5/20/2013</a:t>
+              <a:t>Sun, 1/3/2021</a:t>
             </a:fld>
             <a:endParaRPr lang="en-US">
               <a:solidFill>
@@ -460,10 +458,9 @@
           <a:lstStyle/>
           <a:p>
             <a:r>
-              <a:rPr lang="en-US" smtClean="0"/>
+              <a:rPr lang="en-US"/>
               <a:t>Click to edit Master title style</a:t>
             </a:r>
-            <a:endParaRPr lang="en-US"/>
           </a:p>
         </p:txBody>
       </p:sp>
@@ -579,10 +576,9 @@
           </a:lstStyle>
           <a:p>
             <a:r>
-              <a:rPr lang="en-US" smtClean="0"/>
+              <a:rPr lang="en-US"/>
               <a:t>Click to edit Master subtitle style</a:t>
             </a:r>
-            <a:endParaRPr lang="en-US"/>
           </a:p>
         </p:txBody>
       </p:sp>
@@ -610,7 +606,7 @@
                 </a:solidFill>
               </a:rPr>
               <a:pPr/>
-              <a:t>5/20/2013</a:t>
+              <a:t>Sun, 1/3/2021</a:t>
             </a:fld>
             <a:endParaRPr lang="en-US">
               <a:solidFill>
@@ -729,10 +725,9 @@
           <a:lstStyle/>
           <a:p>
             <a:r>
-              <a:rPr lang="en-US" smtClean="0"/>
+              <a:rPr lang="en-US"/>
               <a:t>Click to edit Master title style</a:t>
             </a:r>
-            <a:endParaRPr lang="en-US"/>
           </a:p>
         </p:txBody>
       </p:sp>
@@ -753,38 +748,37 @@
           <a:p>
             <a:pPr lvl="0"/>
             <a:r>
-              <a:rPr lang="en-US" smtClean="0"/>
+              <a:rPr lang="en-US"/>
               <a:t>Click to edit Master text styles</a:t>
             </a:r>
           </a:p>
           <a:p>
             <a:pPr lvl="1"/>
             <a:r>
-              <a:rPr lang="en-US" smtClean="0"/>
+              <a:rPr lang="en-US"/>
               <a:t>Second level</a:t>
             </a:r>
           </a:p>
           <a:p>
             <a:pPr lvl="2"/>
             <a:r>
-              <a:rPr lang="en-US" smtClean="0"/>
+              <a:rPr lang="en-US"/>
               <a:t>Third level</a:t>
             </a:r>
           </a:p>
           <a:p>
             <a:pPr lvl="3"/>
             <a:r>
-              <a:rPr lang="en-US" smtClean="0"/>
+              <a:rPr lang="en-US"/>
               <a:t>Fourth level</a:t>
             </a:r>
           </a:p>
           <a:p>
             <a:pPr lvl="4"/>
             <a:r>
-              <a:rPr lang="en-US" smtClean="0"/>
+              <a:rPr lang="en-US"/>
               <a:t>Fifth level</a:t>
             </a:r>
-            <a:endParaRPr lang="en-US"/>
           </a:p>
         </p:txBody>
       </p:sp>
@@ -812,7 +806,7 @@
                 </a:solidFill>
               </a:rPr>
               <a:pPr/>
-              <a:t>5/20/2013</a:t>
+              <a:t>Sun, 1/3/2021</a:t>
             </a:fld>
             <a:endParaRPr lang="en-US">
               <a:solidFill>
@@ -955,10 +949,9 @@
           <a:lstStyle/>
           <a:p>
             <a:r>
-              <a:rPr lang="en-US" smtClean="0"/>
+              <a:rPr lang="en-US"/>
               <a:t>Click to edit Master title style</a:t>
             </a:r>
-            <a:endParaRPr lang="en-US"/>
           </a:p>
         </p:txBody>
       </p:sp>
@@ -989,38 +982,37 @@
           <a:p>
             <a:pPr lvl="0"/>
             <a:r>
-              <a:rPr lang="en-US" smtClean="0"/>
+              <a:rPr lang="en-US"/>
               <a:t>Click to edit Master text styles</a:t>
             </a:r>
           </a:p>
           <a:p>
             <a:pPr lvl="1"/>
             <a:r>
-              <a:rPr lang="en-US" smtClean="0"/>
+              <a:rPr lang="en-US"/>
               <a:t>Second level</a:t>
             </a:r>
           </a:p>
           <a:p>
             <a:pPr lvl="2"/>
             <a:r>
-              <a:rPr lang="en-US" smtClean="0"/>
+              <a:rPr lang="en-US"/>
               <a:t>Third level</a:t>
             </a:r>
           </a:p>
           <a:p>
             <a:pPr lvl="3"/>
             <a:r>
-              <a:rPr lang="en-US" smtClean="0"/>
+              <a:rPr lang="en-US"/>
               <a:t>Fourth level</a:t>
             </a:r>
           </a:p>
           <a:p>
             <a:pPr lvl="4"/>
             <a:r>
-              <a:rPr lang="en-US" smtClean="0"/>
+              <a:rPr lang="en-US"/>
               <a:t>Fifth level</a:t>
             </a:r>
-            <a:endParaRPr lang="en-US"/>
           </a:p>
         </p:txBody>
       </p:sp>
@@ -1066,7 +1058,7 @@
                 </a:solidFill>
               </a:rPr>
               <a:pPr/>
-              <a:t>5/20/2013</a:t>
+              <a:t>Sun, 1/3/2021</a:t>
             </a:fld>
             <a:endParaRPr lang="en-US">
               <a:solidFill>
@@ -1496,10 +1488,9 @@
           <a:lstStyle/>
           <a:p>
             <a:r>
-              <a:rPr lang="en-US" smtClean="0"/>
+              <a:rPr lang="en-US"/>
               <a:t>Click to edit Master title style</a:t>
             </a:r>
-            <a:endParaRPr lang="en-US"/>
           </a:p>
         </p:txBody>
       </p:sp>
@@ -1530,38 +1521,37 @@
           <a:p>
             <a:pPr lvl="0"/>
             <a:r>
-              <a:rPr lang="en-US" smtClean="0"/>
+              <a:rPr lang="en-US"/>
               <a:t>Click to edit Master text styles</a:t>
             </a:r>
           </a:p>
           <a:p>
             <a:pPr lvl="1"/>
             <a:r>
-              <a:rPr lang="en-US" smtClean="0"/>
+              <a:rPr lang="en-US"/>
               <a:t>Second level</a:t>
             </a:r>
           </a:p>
           <a:p>
             <a:pPr lvl="2"/>
             <a:r>
-              <a:rPr lang="en-US" smtClean="0"/>
+              <a:rPr lang="en-US"/>
               <a:t>Third level</a:t>
             </a:r>
           </a:p>
           <a:p>
             <a:pPr lvl="3"/>
             <a:r>
-              <a:rPr lang="en-US" smtClean="0"/>
+              <a:rPr lang="en-US"/>
               <a:t>Fourth level</a:t>
             </a:r>
           </a:p>
           <a:p>
             <a:pPr lvl="4"/>
             <a:r>
-              <a:rPr lang="en-US" smtClean="0"/>
+              <a:rPr lang="en-US"/>
               <a:t>Fifth level</a:t>
             </a:r>
-            <a:endParaRPr lang="en-US"/>
           </a:p>
         </p:txBody>
       </p:sp>
@@ -1607,7 +1597,7 @@
                 </a:solidFill>
               </a:rPr>
               <a:pPr/>
-              <a:t>5/20/2013</a:t>
+              <a:t>Sun, 1/3/2021</a:t>
             </a:fld>
             <a:endParaRPr lang="en-US">
               <a:solidFill>
@@ -2007,7 +1997,7 @@
         <p:spPr>
           <a:xfrm>
             <a:off x="324394" y="2286000"/>
-            <a:ext cx="7620000" cy="3046988"/>
+            <a:ext cx="7620000" cy="3785652"/>
           </a:xfrm>
           <a:prstGeom prst="rect">
             <a:avLst/>
@@ -2036,7 +2026,7 @@
           <a:p>
             <a:pPr algn="ctr"/>
             <a:r>
-              <a:rPr lang="en-US" sz="9600" b="1">
+              <a:rPr lang="en-US" sz="8000" b="1" dirty="0">
                 <a:ln w="11430"/>
                 <a:solidFill>
                   <a:srgbClr val="FFFF00"/>
@@ -2053,29 +2043,10 @@
                     </a:srgbClr>
                   </a:outerShdw>
                 </a:effectLst>
-                <a:latin typeface="VNI-Mysti" pitchFamily="2" charset="0"/>
+                <a:latin typeface="VNI-Times" pitchFamily="2" charset="0"/>
               </a:rPr>
               <a:t>BÖÔÙC VÔÙI CHUÙA YEÂU THÖÔNG</a:t>
             </a:r>
-            <a:endParaRPr lang="en-US" sz="9600" b="1" dirty="0">
-              <a:ln w="11430"/>
-              <a:solidFill>
-                <a:srgbClr val="FFFF00"/>
-              </a:solidFill>
-              <a:effectLst>
-                <a:glow rad="101600">
-                  <a:prstClr val="black">
-                    <a:alpha val="60000"/>
-                  </a:prstClr>
-                </a:glow>
-                <a:outerShdw blurRad="80000" dist="40000" dir="5040000" algn="tl">
-                  <a:srgbClr val="000000">
-                    <a:alpha val="30000"/>
-                  </a:srgbClr>
-                </a:outerShdw>
-              </a:effectLst>
-              <a:latin typeface="VNI-Mysti" pitchFamily="2" charset="0"/>
-            </a:endParaRPr>
           </a:p>
         </p:txBody>
       </p:sp>
@@ -2103,50 +2074,21 @@
           <a:p>
             <a:pPr algn="ctr"/>
             <a:r>
-              <a:rPr lang="en-US" sz="3500" b="1">
-                <a:solidFill>
-                  <a:prstClr val="black"/>
-                </a:solidFill>
-                <a:effectLst>
-                  <a:glow rad="101600">
-                    <a:prstClr val="white">
-                      <a:alpha val="60000"/>
-                    </a:prstClr>
-                  </a:glow>
-                </a:effectLst>
-                <a:latin typeface="VNI-Eurasia" pitchFamily="2" charset="0"/>
-              </a:rPr>
-              <a:t>TOÂN VINH CHUÙA – </a:t>
-            </a:r>
-            <a:r>
-              <a:rPr lang="en-US" sz="3500" b="1" smtClean="0">
-                <a:solidFill>
-                  <a:prstClr val="black"/>
-                </a:solidFill>
-                <a:effectLst>
-                  <a:glow rad="101600">
-                    <a:prstClr val="white">
-                      <a:alpha val="60000"/>
-                    </a:prstClr>
-                  </a:glow>
-                </a:effectLst>
-                <a:latin typeface="VNI-Eurasia" pitchFamily="2" charset="0"/>
-              </a:rPr>
-              <a:t>BIEÄT THAÙNH CA</a:t>
-            </a:r>
-            <a:endParaRPr lang="en-US" sz="3500" b="1" dirty="0">
-              <a:solidFill>
-                <a:prstClr val="black"/>
-              </a:solidFill>
-              <a:effectLst>
-                <a:glow rad="101600">
-                  <a:prstClr val="white">
-                    <a:alpha val="60000"/>
-                  </a:prstClr>
-                </a:glow>
-              </a:effectLst>
-              <a:latin typeface="VNI-Eurasia" pitchFamily="2" charset="0"/>
-            </a:endParaRPr>
+              <a:rPr lang="en-US" sz="3500" b="1" dirty="0">
+                <a:solidFill>
+                  <a:prstClr val="black"/>
+                </a:solidFill>
+                <a:effectLst>
+                  <a:glow rad="101600">
+                    <a:prstClr val="white">
+                      <a:alpha val="60000"/>
+                    </a:prstClr>
+                  </a:glow>
+                </a:effectLst>
+                <a:latin typeface="VNI-Times" pitchFamily="2" charset="0"/>
+              </a:rPr>
+              <a:t>TOÂN VINH CHUÙA – BIEÄT THAÙNH CA</a:t>
+            </a:r>
           </a:p>
         </p:txBody>
       </p:sp>
@@ -2172,13 +2114,6 @@
       </p:transition>
     </mc:Fallback>
   </mc:AlternateContent>
-  <p:timing>
-    <p:tnLst>
-      <p:par>
-        <p:cTn id="1" dur="indefinite" restart="never" nodeType="tmRoot"/>
-      </p:par>
-    </p:tnLst>
-  </p:timing>
 </p:sld>
 </file>
 
@@ -2283,117 +2218,8 @@
                 </a:effectLst>
                 <a:latin typeface="HP-Aptima" pitchFamily="34" charset="0"/>
               </a:rPr>
-              <a:t>yeâu thöông, khi söông ñeâm buoâng meânh </a:t>
-            </a:r>
-            <a:r>
-              <a:rPr lang="en-US" sz="6600" b="1" smtClean="0">
-                <a:solidFill>
-                  <a:prstClr val="black"/>
-                </a:solidFill>
-                <a:effectLst>
-                  <a:glow rad="101600">
-                    <a:prstClr val="white">
-                      <a:alpha val="60000"/>
-                    </a:prstClr>
-                  </a:glow>
-                </a:effectLst>
-                <a:latin typeface="HP-Aptima" pitchFamily="34" charset="0"/>
-              </a:rPr>
-              <a:t>mang </a:t>
-            </a:r>
-            <a:r>
-              <a:rPr lang="en-US" sz="6600" b="1">
-                <a:solidFill>
-                  <a:prstClr val="black"/>
-                </a:solidFill>
-                <a:effectLst>
-                  <a:glow rad="101600">
-                    <a:prstClr val="white">
-                      <a:alpha val="60000"/>
-                    </a:prstClr>
-                  </a:glow>
-                </a:effectLst>
-                <a:latin typeface="HP-Aptima" pitchFamily="34" charset="0"/>
-              </a:rPr>
-              <a:t>treân ñöôøng.</a:t>
-            </a:r>
-          </a:p>
-        </p:txBody>
-      </p:sp>
-      <p:sp>
-        <p:nvSpPr>
-          <p:cNvPr id="3" name="Title 1"/>
-          <p:cNvSpPr txBox="1">
-            <a:spLocks/>
-          </p:cNvSpPr>
-          <p:nvPr/>
-        </p:nvSpPr>
-        <p:spPr>
-          <a:xfrm>
-            <a:off x="152399" y="6019800"/>
-            <a:ext cx="7772401" cy="685800"/>
-          </a:xfrm>
-          <a:prstGeom prst="rect">
-            <a:avLst/>
-          </a:prstGeom>
-        </p:spPr>
-        <p:txBody>
-          <a:bodyPr vert="horz" lIns="91440" tIns="45720" rIns="91440" bIns="45720" rtlCol="0" anchor="ctr">
-            <a:noAutofit/>
-          </a:bodyPr>
-          <a:lstStyle/>
-          <a:p>
-            <a:pPr algn="ctr">
-              <a:spcBef>
-                <a:spcPct val="0"/>
-              </a:spcBef>
-              <a:defRPr/>
-            </a:pPr>
-            <a:r>
-              <a:rPr lang="sv-SE" sz="4000" b="1" smtClean="0">
-                <a:solidFill>
-                  <a:srgbClr val="FFFF00"/>
-                </a:solidFill>
-                <a:effectLst>
-                  <a:glow rad="101600">
-                    <a:prstClr val="black">
-                      <a:alpha val="60000"/>
-                    </a:prstClr>
-                  </a:glow>
-                </a:effectLst>
-                <a:latin typeface="VNI-Mysti" pitchFamily="2" charset="0"/>
-              </a:rPr>
-              <a:t>BÖÔÙC </a:t>
-            </a:r>
-            <a:r>
-              <a:rPr lang="sv-SE" sz="4000" b="1">
-                <a:solidFill>
-                  <a:srgbClr val="FFFF00"/>
-                </a:solidFill>
-                <a:effectLst>
-                  <a:glow rad="101600">
-                    <a:prstClr val="black">
-                      <a:alpha val="60000"/>
-                    </a:prstClr>
-                  </a:glow>
-                </a:effectLst>
-                <a:latin typeface="VNI-Mysti" pitchFamily="2" charset="0"/>
-              </a:rPr>
-              <a:t>VÔÙI CHUÙA YEÂU THÖÔNG</a:t>
-            </a:r>
-            <a:endParaRPr lang="sv-SE" sz="4000" b="1" dirty="0">
-              <a:solidFill>
-                <a:srgbClr val="FFFF00"/>
-              </a:solidFill>
-              <a:effectLst>
-                <a:glow rad="101600">
-                  <a:prstClr val="black">
-                    <a:alpha val="60000"/>
-                  </a:prstClr>
-                </a:glow>
-              </a:effectLst>
-              <a:latin typeface="VNI-Mysti" pitchFamily="2" charset="0"/>
-            </a:endParaRPr>
+              <a:t>yeâu thöông, khi söông ñeâm buoâng meânh mang treân ñöôøng.</a:t>
+            </a:r>
           </a:p>
         </p:txBody>
       </p:sp>
@@ -2419,13 +2245,6 @@
       </p:transition>
     </mc:Fallback>
   </mc:AlternateContent>
-  <p:timing>
-    <p:tnLst>
-      <p:par>
-        <p:cTn id="1" dur="indefinite" restart="never" nodeType="tmRoot"/>
-      </p:par>
-    </p:tnLst>
-  </p:timing>
 </p:sld>
 </file>
 
@@ -2483,39 +2302,7 @@
                 </a:effectLst>
                 <a:latin typeface="HP-Aptima" pitchFamily="34" charset="0"/>
               </a:rPr>
-              <a:t>Ñôøi </a:t>
-            </a:r>
-            <a:r>
-              <a:rPr lang="en-US" sz="6600" b="1" smtClean="0">
-                <a:solidFill>
-                  <a:prstClr val="black"/>
-                </a:solidFill>
-                <a:effectLst>
-                  <a:glow rad="101600">
-                    <a:prstClr val="white">
-                      <a:alpha val="60000"/>
-                    </a:prstClr>
-                  </a:glow>
-                </a:effectLst>
-                <a:latin typeface="HP-Aptima" pitchFamily="34" charset="0"/>
-              </a:rPr>
-              <a:t>daït daøo</a:t>
-            </a:r>
-            <a:r>
-              <a:rPr lang="en-US" sz="6600" b="1">
-                <a:solidFill>
-                  <a:prstClr val="black"/>
-                </a:solidFill>
-                <a:effectLst>
-                  <a:glow rad="101600">
-                    <a:prstClr val="white">
-                      <a:alpha val="60000"/>
-                    </a:prstClr>
-                  </a:glow>
-                </a:effectLst>
-                <a:latin typeface="HP-Aptima" pitchFamily="34" charset="0"/>
-              </a:rPr>
-              <a:t/>
+              <a:t>Ñôøi daït daøo</a:t>
             </a:r>
             <a:br>
               <a:rPr lang="en-US" sz="6600" b="1">
@@ -2579,83 +2366,6 @@
               </a:rPr>
               <a:t>khoùi maây vöông. </a:t>
             </a:r>
-          </a:p>
-        </p:txBody>
-      </p:sp>
-      <p:sp>
-        <p:nvSpPr>
-          <p:cNvPr id="3" name="Title 1"/>
-          <p:cNvSpPr txBox="1">
-            <a:spLocks/>
-          </p:cNvSpPr>
-          <p:nvPr/>
-        </p:nvSpPr>
-        <p:spPr>
-          <a:xfrm>
-            <a:off x="152399" y="6019800"/>
-            <a:ext cx="7772401" cy="685800"/>
-          </a:xfrm>
-          <a:prstGeom prst="rect">
-            <a:avLst/>
-          </a:prstGeom>
-        </p:spPr>
-        <p:txBody>
-          <a:bodyPr vert="horz" lIns="91440" tIns="45720" rIns="91440" bIns="45720" rtlCol="0" anchor="ctr">
-            <a:noAutofit/>
-          </a:bodyPr>
-          <a:lstStyle/>
-          <a:p>
-            <a:pPr algn="ctr">
-              <a:spcBef>
-                <a:spcPct val="0"/>
-              </a:spcBef>
-              <a:defRPr/>
-            </a:pPr>
-            <a:r>
-              <a:rPr lang="sv-SE" sz="4000" b="1" smtClean="0">
-                <a:solidFill>
-                  <a:srgbClr val="FFFF00"/>
-                </a:solidFill>
-                <a:effectLst>
-                  <a:glow rad="101600">
-                    <a:prstClr val="black">
-                      <a:alpha val="60000"/>
-                    </a:prstClr>
-                  </a:glow>
-                </a:effectLst>
-                <a:latin typeface="VNI-Mysti" pitchFamily="2" charset="0"/>
-              </a:rPr>
-              <a:t>BÖÔÙC </a:t>
-            </a:r>
-            <a:r>
-              <a:rPr lang="sv-SE" sz="4000" b="1">
-                <a:solidFill>
-                  <a:srgbClr val="FFFF00"/>
-                </a:solidFill>
-                <a:effectLst>
-                  <a:glow rad="101600">
-                    <a:prstClr val="black">
-                      <a:alpha val="60000"/>
-                    </a:prstClr>
-                  </a:glow>
-                </a:effectLst>
-                <a:latin typeface="VNI-Mysti" pitchFamily="2" charset="0"/>
-              </a:rPr>
-              <a:t>VÔÙI CHUÙA YEÂU THÖÔNG</a:t>
-            </a:r>
-            <a:endParaRPr lang="sv-SE" sz="4000" b="1" dirty="0">
-              <a:solidFill>
-                <a:srgbClr val="FFFF00"/>
-              </a:solidFill>
-              <a:effectLst>
-                <a:glow rad="101600">
-                  <a:prstClr val="black">
-                    <a:alpha val="60000"/>
-                  </a:prstClr>
-                </a:glow>
-              </a:effectLst>
-              <a:latin typeface="VNI-Mysti" pitchFamily="2" charset="0"/>
-            </a:endParaRPr>
           </a:p>
         </p:txBody>
       </p:sp>
@@ -2669,13 +2379,6 @@
   <p:clrMapOvr>
     <a:masterClrMapping/>
   </p:clrMapOvr>
-  <p:timing>
-    <p:tnLst>
-      <p:par>
-        <p:cTn id="1" dur="indefinite" restart="never" nodeType="tmRoot"/>
-      </p:par>
-    </p:tnLst>
-  </p:timing>
 </p:sld>
 </file>
 
@@ -2831,83 +2534,6 @@
           </a:p>
         </p:txBody>
       </p:sp>
-      <p:sp>
-        <p:nvSpPr>
-          <p:cNvPr id="3" name="Title 1"/>
-          <p:cNvSpPr txBox="1">
-            <a:spLocks/>
-          </p:cNvSpPr>
-          <p:nvPr/>
-        </p:nvSpPr>
-        <p:spPr>
-          <a:xfrm>
-            <a:off x="152399" y="6019800"/>
-            <a:ext cx="7772401" cy="685800"/>
-          </a:xfrm>
-          <a:prstGeom prst="rect">
-            <a:avLst/>
-          </a:prstGeom>
-        </p:spPr>
-        <p:txBody>
-          <a:bodyPr vert="horz" lIns="91440" tIns="45720" rIns="91440" bIns="45720" rtlCol="0" anchor="ctr">
-            <a:noAutofit/>
-          </a:bodyPr>
-          <a:lstStyle/>
-          <a:p>
-            <a:pPr algn="ctr">
-              <a:spcBef>
-                <a:spcPct val="0"/>
-              </a:spcBef>
-              <a:defRPr/>
-            </a:pPr>
-            <a:r>
-              <a:rPr lang="sv-SE" sz="4000" b="1" smtClean="0">
-                <a:solidFill>
-                  <a:srgbClr val="FFFF00"/>
-                </a:solidFill>
-                <a:effectLst>
-                  <a:glow rad="101600">
-                    <a:prstClr val="black">
-                      <a:alpha val="60000"/>
-                    </a:prstClr>
-                  </a:glow>
-                </a:effectLst>
-                <a:latin typeface="VNI-Mysti" pitchFamily="2" charset="0"/>
-              </a:rPr>
-              <a:t>BÖÔÙC </a:t>
-            </a:r>
-            <a:r>
-              <a:rPr lang="sv-SE" sz="4000" b="1">
-                <a:solidFill>
-                  <a:srgbClr val="FFFF00"/>
-                </a:solidFill>
-                <a:effectLst>
-                  <a:glow rad="101600">
-                    <a:prstClr val="black">
-                      <a:alpha val="60000"/>
-                    </a:prstClr>
-                  </a:glow>
-                </a:effectLst>
-                <a:latin typeface="VNI-Mysti" pitchFamily="2" charset="0"/>
-              </a:rPr>
-              <a:t>VÔÙI CHUÙA YEÂU THÖÔNG</a:t>
-            </a:r>
-            <a:endParaRPr lang="sv-SE" sz="4000" b="1" dirty="0">
-              <a:solidFill>
-                <a:srgbClr val="FFFF00"/>
-              </a:solidFill>
-              <a:effectLst>
-                <a:glow rad="101600">
-                  <a:prstClr val="black">
-                    <a:alpha val="60000"/>
-                  </a:prstClr>
-                </a:glow>
-              </a:effectLst>
-              <a:latin typeface="VNI-Mysti" pitchFamily="2" charset="0"/>
-            </a:endParaRPr>
-          </a:p>
-        </p:txBody>
-      </p:sp>
     </p:spTree>
     <p:extLst>
       <p:ext uri="{BB962C8B-B14F-4D97-AF65-F5344CB8AC3E}">
@@ -2918,13 +2544,6 @@
   <p:clrMapOvr>
     <a:masterClrMapping/>
   </p:clrMapOvr>
-  <p:timing>
-    <p:tnLst>
-      <p:par>
-        <p:cTn id="1" dur="indefinite" restart="never" nodeType="tmRoot"/>
-      </p:par>
-    </p:tnLst>
-  </p:timing>
 </p:sld>
 </file>
 
@@ -3018,83 +2637,6 @@
           </a:p>
         </p:txBody>
       </p:sp>
-      <p:sp>
-        <p:nvSpPr>
-          <p:cNvPr id="3" name="Title 1"/>
-          <p:cNvSpPr txBox="1">
-            <a:spLocks/>
-          </p:cNvSpPr>
-          <p:nvPr/>
-        </p:nvSpPr>
-        <p:spPr>
-          <a:xfrm>
-            <a:off x="152399" y="6019800"/>
-            <a:ext cx="7772401" cy="685800"/>
-          </a:xfrm>
-          <a:prstGeom prst="rect">
-            <a:avLst/>
-          </a:prstGeom>
-        </p:spPr>
-        <p:txBody>
-          <a:bodyPr vert="horz" lIns="91440" tIns="45720" rIns="91440" bIns="45720" rtlCol="0" anchor="ctr">
-            <a:noAutofit/>
-          </a:bodyPr>
-          <a:lstStyle/>
-          <a:p>
-            <a:pPr algn="ctr">
-              <a:spcBef>
-                <a:spcPct val="0"/>
-              </a:spcBef>
-              <a:defRPr/>
-            </a:pPr>
-            <a:r>
-              <a:rPr lang="sv-SE" sz="4000" b="1" smtClean="0">
-                <a:solidFill>
-                  <a:srgbClr val="FFFF00"/>
-                </a:solidFill>
-                <a:effectLst>
-                  <a:glow rad="101600">
-                    <a:prstClr val="black">
-                      <a:alpha val="60000"/>
-                    </a:prstClr>
-                  </a:glow>
-                </a:effectLst>
-                <a:latin typeface="VNI-Mysti" pitchFamily="2" charset="0"/>
-              </a:rPr>
-              <a:t>BÖÔÙC </a:t>
-            </a:r>
-            <a:r>
-              <a:rPr lang="sv-SE" sz="4000" b="1">
-                <a:solidFill>
-                  <a:srgbClr val="FFFF00"/>
-                </a:solidFill>
-                <a:effectLst>
-                  <a:glow rad="101600">
-                    <a:prstClr val="black">
-                      <a:alpha val="60000"/>
-                    </a:prstClr>
-                  </a:glow>
-                </a:effectLst>
-                <a:latin typeface="VNI-Mysti" pitchFamily="2" charset="0"/>
-              </a:rPr>
-              <a:t>VÔÙI CHUÙA YEÂU THÖÔNG</a:t>
-            </a:r>
-            <a:endParaRPr lang="sv-SE" sz="4000" b="1" dirty="0">
-              <a:solidFill>
-                <a:srgbClr val="FFFF00"/>
-              </a:solidFill>
-              <a:effectLst>
-                <a:glow rad="101600">
-                  <a:prstClr val="black">
-                    <a:alpha val="60000"/>
-                  </a:prstClr>
-                </a:glow>
-              </a:effectLst>
-              <a:latin typeface="VNI-Mysti" pitchFamily="2" charset="0"/>
-            </a:endParaRPr>
-          </a:p>
-        </p:txBody>
-      </p:sp>
     </p:spTree>
     <p:extLst>
       <p:ext uri="{BB962C8B-B14F-4D97-AF65-F5344CB8AC3E}">
@@ -3105,13 +2647,6 @@
   <p:clrMapOvr>
     <a:masterClrMapping/>
   </p:clrMapOvr>
-  <p:timing>
-    <p:tnLst>
-      <p:par>
-        <p:cTn id="1" dur="indefinite" restart="never" nodeType="tmRoot"/>
-      </p:par>
-    </p:tnLst>
-  </p:timing>
 </p:sld>
 </file>
 
@@ -3156,7 +2691,7 @@
           <a:p>
             <a:pPr algn="ctr"/>
             <a:r>
-              <a:rPr lang="en-US" sz="4000" b="1" i="1" smtClean="0">
+              <a:rPr lang="en-US" sz="4000" b="1" i="1">
                 <a:solidFill>
                   <a:prstClr val="black"/>
                 </a:solidFill>
@@ -3172,36 +2707,20 @@
               <a:t>ÑK: </a:t>
             </a:r>
             <a:r>
-              <a:rPr lang="en-US" sz="6600" b="1" smtClean="0">
-                <a:solidFill>
-                  <a:prstClr val="black"/>
-                </a:solidFill>
-                <a:effectLst>
-                  <a:glow rad="101600">
-                    <a:prstClr val="white">
-                      <a:alpha val="60000"/>
-                    </a:prstClr>
-                  </a:glow>
-                </a:effectLst>
-                <a:latin typeface="HP-Aptima" pitchFamily="34" charset="0"/>
-              </a:rPr>
-              <a:t>Ñöôïc </a:t>
-            </a:r>
-            <a:r>
-              <a:rPr lang="en-US" sz="6600" b="1">
-                <a:solidFill>
-                  <a:prstClr val="black"/>
-                </a:solidFill>
-                <a:effectLst>
-                  <a:glow rad="101600">
-                    <a:prstClr val="white">
-                      <a:alpha val="60000"/>
-                    </a:prstClr>
-                  </a:glow>
-                </a:effectLst>
-                <a:latin typeface="HP-Aptima" pitchFamily="34" charset="0"/>
-              </a:rPr>
-              <a:t>ñi vôùi Cha </a:t>
+              <a:rPr lang="en-US" sz="6600" b="1">
+                <a:solidFill>
+                  <a:prstClr val="black"/>
+                </a:solidFill>
+                <a:effectLst>
+                  <a:glow rad="101600">
+                    <a:prstClr val="white">
+                      <a:alpha val="60000"/>
+                    </a:prstClr>
+                  </a:glow>
+                </a:effectLst>
+                <a:latin typeface="HP-Aptima" pitchFamily="34" charset="0"/>
+              </a:rPr>
+              <a:t>Ñöôïc ñi vôùi Cha </a:t>
             </a:r>
             <a:br>
               <a:rPr lang="en-US" sz="6600" b="1">
@@ -3265,83 +2784,6 @@
               </a:rPr>
               <a:t>khuaát xa.</a:t>
             </a:r>
-          </a:p>
-        </p:txBody>
-      </p:sp>
-      <p:sp>
-        <p:nvSpPr>
-          <p:cNvPr id="3" name="Title 1"/>
-          <p:cNvSpPr txBox="1">
-            <a:spLocks/>
-          </p:cNvSpPr>
-          <p:nvPr/>
-        </p:nvSpPr>
-        <p:spPr>
-          <a:xfrm>
-            <a:off x="152399" y="6019800"/>
-            <a:ext cx="7772401" cy="685800"/>
-          </a:xfrm>
-          <a:prstGeom prst="rect">
-            <a:avLst/>
-          </a:prstGeom>
-        </p:spPr>
-        <p:txBody>
-          <a:bodyPr vert="horz" lIns="91440" tIns="45720" rIns="91440" bIns="45720" rtlCol="0" anchor="ctr">
-            <a:noAutofit/>
-          </a:bodyPr>
-          <a:lstStyle/>
-          <a:p>
-            <a:pPr algn="ctr">
-              <a:spcBef>
-                <a:spcPct val="0"/>
-              </a:spcBef>
-              <a:defRPr/>
-            </a:pPr>
-            <a:r>
-              <a:rPr lang="sv-SE" sz="4000" b="1" smtClean="0">
-                <a:solidFill>
-                  <a:srgbClr val="FFFF00"/>
-                </a:solidFill>
-                <a:effectLst>
-                  <a:glow rad="101600">
-                    <a:prstClr val="black">
-                      <a:alpha val="60000"/>
-                    </a:prstClr>
-                  </a:glow>
-                </a:effectLst>
-                <a:latin typeface="VNI-Mysti" pitchFamily="2" charset="0"/>
-              </a:rPr>
-              <a:t>BÖÔÙC </a:t>
-            </a:r>
-            <a:r>
-              <a:rPr lang="sv-SE" sz="4000" b="1">
-                <a:solidFill>
-                  <a:srgbClr val="FFFF00"/>
-                </a:solidFill>
-                <a:effectLst>
-                  <a:glow rad="101600">
-                    <a:prstClr val="black">
-                      <a:alpha val="60000"/>
-                    </a:prstClr>
-                  </a:glow>
-                </a:effectLst>
-                <a:latin typeface="VNI-Mysti" pitchFamily="2" charset="0"/>
-              </a:rPr>
-              <a:t>VÔÙI CHUÙA YEÂU THÖÔNG</a:t>
-            </a:r>
-            <a:endParaRPr lang="sv-SE" sz="4000" b="1" dirty="0">
-              <a:solidFill>
-                <a:srgbClr val="FFFF00"/>
-              </a:solidFill>
-              <a:effectLst>
-                <a:glow rad="101600">
-                  <a:prstClr val="black">
-                    <a:alpha val="60000"/>
-                  </a:prstClr>
-                </a:glow>
-              </a:effectLst>
-              <a:latin typeface="VNI-Mysti" pitchFamily="2" charset="0"/>
-            </a:endParaRPr>
           </a:p>
         </p:txBody>
       </p:sp>
@@ -3355,13 +2797,6 @@
   <p:clrMapOvr>
     <a:masterClrMapping/>
   </p:clrMapOvr>
-  <p:timing>
-    <p:tnLst>
-      <p:par>
-        <p:cTn id="1" dur="indefinite" restart="never" nodeType="tmRoot"/>
-      </p:par>
-    </p:tnLst>
-  </p:timing>
 </p:sld>
 </file>
 
@@ -3486,83 +2921,6 @@
           </a:p>
         </p:txBody>
       </p:sp>
-      <p:sp>
-        <p:nvSpPr>
-          <p:cNvPr id="3" name="Title 1"/>
-          <p:cNvSpPr txBox="1">
-            <a:spLocks/>
-          </p:cNvSpPr>
-          <p:nvPr/>
-        </p:nvSpPr>
-        <p:spPr>
-          <a:xfrm>
-            <a:off x="152399" y="6019800"/>
-            <a:ext cx="7772401" cy="685800"/>
-          </a:xfrm>
-          <a:prstGeom prst="rect">
-            <a:avLst/>
-          </a:prstGeom>
-        </p:spPr>
-        <p:txBody>
-          <a:bodyPr vert="horz" lIns="91440" tIns="45720" rIns="91440" bIns="45720" rtlCol="0" anchor="ctr">
-            <a:noAutofit/>
-          </a:bodyPr>
-          <a:lstStyle/>
-          <a:p>
-            <a:pPr algn="ctr">
-              <a:spcBef>
-                <a:spcPct val="0"/>
-              </a:spcBef>
-              <a:defRPr/>
-            </a:pPr>
-            <a:r>
-              <a:rPr lang="sv-SE" sz="4000" b="1" smtClean="0">
-                <a:solidFill>
-                  <a:srgbClr val="FFFF00"/>
-                </a:solidFill>
-                <a:effectLst>
-                  <a:glow rad="101600">
-                    <a:prstClr val="black">
-                      <a:alpha val="60000"/>
-                    </a:prstClr>
-                  </a:glow>
-                </a:effectLst>
-                <a:latin typeface="VNI-Mysti" pitchFamily="2" charset="0"/>
-              </a:rPr>
-              <a:t>BÖÔÙC </a:t>
-            </a:r>
-            <a:r>
-              <a:rPr lang="sv-SE" sz="4000" b="1">
-                <a:solidFill>
-                  <a:srgbClr val="FFFF00"/>
-                </a:solidFill>
-                <a:effectLst>
-                  <a:glow rad="101600">
-                    <a:prstClr val="black">
-                      <a:alpha val="60000"/>
-                    </a:prstClr>
-                  </a:glow>
-                </a:effectLst>
-                <a:latin typeface="VNI-Mysti" pitchFamily="2" charset="0"/>
-              </a:rPr>
-              <a:t>VÔÙI CHUÙA YEÂU THÖÔNG</a:t>
-            </a:r>
-            <a:endParaRPr lang="sv-SE" sz="4000" b="1" dirty="0">
-              <a:solidFill>
-                <a:srgbClr val="FFFF00"/>
-              </a:solidFill>
-              <a:effectLst>
-                <a:glow rad="101600">
-                  <a:prstClr val="black">
-                    <a:alpha val="60000"/>
-                  </a:prstClr>
-                </a:glow>
-              </a:effectLst>
-              <a:latin typeface="VNI-Mysti" pitchFamily="2" charset="0"/>
-            </a:endParaRPr>
-          </a:p>
-        </p:txBody>
-      </p:sp>
     </p:spTree>
     <p:extLst>
       <p:ext uri="{BB962C8B-B14F-4D97-AF65-F5344CB8AC3E}">
@@ -3573,13 +2931,6 @@
   <p:clrMapOvr>
     <a:masterClrMapping/>
   </p:clrMapOvr>
-  <p:timing>
-    <p:tnLst>
-      <p:par>
-        <p:cTn id="1" dur="indefinite" restart="never" nodeType="tmRoot"/>
-      </p:par>
-    </p:tnLst>
-  </p:timing>
 </p:sld>
 </file>
 
@@ -3704,83 +3055,6 @@
           </a:p>
         </p:txBody>
       </p:sp>
-      <p:sp>
-        <p:nvSpPr>
-          <p:cNvPr id="3" name="Title 1"/>
-          <p:cNvSpPr txBox="1">
-            <a:spLocks/>
-          </p:cNvSpPr>
-          <p:nvPr/>
-        </p:nvSpPr>
-        <p:spPr>
-          <a:xfrm>
-            <a:off x="152399" y="6019800"/>
-            <a:ext cx="7772401" cy="685800"/>
-          </a:xfrm>
-          <a:prstGeom prst="rect">
-            <a:avLst/>
-          </a:prstGeom>
-        </p:spPr>
-        <p:txBody>
-          <a:bodyPr vert="horz" lIns="91440" tIns="45720" rIns="91440" bIns="45720" rtlCol="0" anchor="ctr">
-            <a:noAutofit/>
-          </a:bodyPr>
-          <a:lstStyle/>
-          <a:p>
-            <a:pPr algn="ctr">
-              <a:spcBef>
-                <a:spcPct val="0"/>
-              </a:spcBef>
-              <a:defRPr/>
-            </a:pPr>
-            <a:r>
-              <a:rPr lang="sv-SE" sz="4000" b="1" smtClean="0">
-                <a:solidFill>
-                  <a:srgbClr val="FFFF00"/>
-                </a:solidFill>
-                <a:effectLst>
-                  <a:glow rad="101600">
-                    <a:prstClr val="black">
-                      <a:alpha val="60000"/>
-                    </a:prstClr>
-                  </a:glow>
-                </a:effectLst>
-                <a:latin typeface="VNI-Mysti" pitchFamily="2" charset="0"/>
-              </a:rPr>
-              <a:t>BÖÔÙC </a:t>
-            </a:r>
-            <a:r>
-              <a:rPr lang="sv-SE" sz="4000" b="1">
-                <a:solidFill>
-                  <a:srgbClr val="FFFF00"/>
-                </a:solidFill>
-                <a:effectLst>
-                  <a:glow rad="101600">
-                    <a:prstClr val="black">
-                      <a:alpha val="60000"/>
-                    </a:prstClr>
-                  </a:glow>
-                </a:effectLst>
-                <a:latin typeface="VNI-Mysti" pitchFamily="2" charset="0"/>
-              </a:rPr>
-              <a:t>VÔÙI CHUÙA YEÂU THÖÔNG</a:t>
-            </a:r>
-            <a:endParaRPr lang="sv-SE" sz="4000" b="1" dirty="0">
-              <a:solidFill>
-                <a:srgbClr val="FFFF00"/>
-              </a:solidFill>
-              <a:effectLst>
-                <a:glow rad="101600">
-                  <a:prstClr val="black">
-                    <a:alpha val="60000"/>
-                  </a:prstClr>
-                </a:glow>
-              </a:effectLst>
-              <a:latin typeface="VNI-Mysti" pitchFamily="2" charset="0"/>
-            </a:endParaRPr>
-          </a:p>
-        </p:txBody>
-      </p:sp>
     </p:spTree>
     <p:extLst>
       <p:ext uri="{BB962C8B-B14F-4D97-AF65-F5344CB8AC3E}">
@@ -3791,13 +3065,6 @@
   <p:clrMapOvr>
     <a:masterClrMapping/>
   </p:clrMapOvr>
-  <p:timing>
-    <p:tnLst>
-      <p:par>
-        <p:cTn id="1" dur="indefinite" restart="never" nodeType="tmRoot"/>
-      </p:par>
-    </p:tnLst>
-  </p:timing>
 </p:sld>
 </file>
 
@@ -3922,83 +3189,6 @@
           </a:p>
         </p:txBody>
       </p:sp>
-      <p:sp>
-        <p:nvSpPr>
-          <p:cNvPr id="3" name="Title 1"/>
-          <p:cNvSpPr txBox="1">
-            <a:spLocks/>
-          </p:cNvSpPr>
-          <p:nvPr/>
-        </p:nvSpPr>
-        <p:spPr>
-          <a:xfrm>
-            <a:off x="152399" y="6019800"/>
-            <a:ext cx="7772401" cy="685800"/>
-          </a:xfrm>
-          <a:prstGeom prst="rect">
-            <a:avLst/>
-          </a:prstGeom>
-        </p:spPr>
-        <p:txBody>
-          <a:bodyPr vert="horz" lIns="91440" tIns="45720" rIns="91440" bIns="45720" rtlCol="0" anchor="ctr">
-            <a:noAutofit/>
-          </a:bodyPr>
-          <a:lstStyle/>
-          <a:p>
-            <a:pPr algn="ctr">
-              <a:spcBef>
-                <a:spcPct val="0"/>
-              </a:spcBef>
-              <a:defRPr/>
-            </a:pPr>
-            <a:r>
-              <a:rPr lang="sv-SE" sz="4000" b="1" smtClean="0">
-                <a:solidFill>
-                  <a:srgbClr val="FFFF00"/>
-                </a:solidFill>
-                <a:effectLst>
-                  <a:glow rad="101600">
-                    <a:prstClr val="black">
-                      <a:alpha val="60000"/>
-                    </a:prstClr>
-                  </a:glow>
-                </a:effectLst>
-                <a:latin typeface="VNI-Mysti" pitchFamily="2" charset="0"/>
-              </a:rPr>
-              <a:t>BÖÔÙC </a:t>
-            </a:r>
-            <a:r>
-              <a:rPr lang="sv-SE" sz="4000" b="1">
-                <a:solidFill>
-                  <a:srgbClr val="FFFF00"/>
-                </a:solidFill>
-                <a:effectLst>
-                  <a:glow rad="101600">
-                    <a:prstClr val="black">
-                      <a:alpha val="60000"/>
-                    </a:prstClr>
-                  </a:glow>
-                </a:effectLst>
-                <a:latin typeface="VNI-Mysti" pitchFamily="2" charset="0"/>
-              </a:rPr>
-              <a:t>VÔÙI CHUÙA YEÂU THÖÔNG</a:t>
-            </a:r>
-            <a:endParaRPr lang="sv-SE" sz="4000" b="1" dirty="0">
-              <a:solidFill>
-                <a:srgbClr val="FFFF00"/>
-              </a:solidFill>
-              <a:effectLst>
-                <a:glow rad="101600">
-                  <a:prstClr val="black">
-                    <a:alpha val="60000"/>
-                  </a:prstClr>
-                </a:glow>
-              </a:effectLst>
-              <a:latin typeface="VNI-Mysti" pitchFamily="2" charset="0"/>
-            </a:endParaRPr>
-          </a:p>
-        </p:txBody>
-      </p:sp>
     </p:spTree>
     <p:extLst>
       <p:ext uri="{BB962C8B-B14F-4D97-AF65-F5344CB8AC3E}">
@@ -4009,13 +3199,6 @@
   <p:clrMapOvr>
     <a:masterClrMapping/>
   </p:clrMapOvr>
-  <p:timing>
-    <p:tnLst>
-      <p:par>
-        <p:cTn id="1" dur="indefinite" restart="never" nodeType="tmRoot"/>
-      </p:par>
-    </p:tnLst>
-  </p:timing>
 </p:sld>
 </file>
 
@@ -4156,83 +3339,6 @@
           </a:p>
         </p:txBody>
       </p:sp>
-      <p:sp>
-        <p:nvSpPr>
-          <p:cNvPr id="3" name="Title 1"/>
-          <p:cNvSpPr txBox="1">
-            <a:spLocks/>
-          </p:cNvSpPr>
-          <p:nvPr/>
-        </p:nvSpPr>
-        <p:spPr>
-          <a:xfrm>
-            <a:off x="152399" y="6019800"/>
-            <a:ext cx="7772401" cy="685800"/>
-          </a:xfrm>
-          <a:prstGeom prst="rect">
-            <a:avLst/>
-          </a:prstGeom>
-        </p:spPr>
-        <p:txBody>
-          <a:bodyPr vert="horz" lIns="91440" tIns="45720" rIns="91440" bIns="45720" rtlCol="0" anchor="ctr">
-            <a:noAutofit/>
-          </a:bodyPr>
-          <a:lstStyle/>
-          <a:p>
-            <a:pPr algn="ctr">
-              <a:spcBef>
-                <a:spcPct val="0"/>
-              </a:spcBef>
-              <a:defRPr/>
-            </a:pPr>
-            <a:r>
-              <a:rPr lang="sv-SE" sz="4000" b="1" smtClean="0">
-                <a:solidFill>
-                  <a:srgbClr val="FFFF00"/>
-                </a:solidFill>
-                <a:effectLst>
-                  <a:glow rad="101600">
-                    <a:prstClr val="black">
-                      <a:alpha val="60000"/>
-                    </a:prstClr>
-                  </a:glow>
-                </a:effectLst>
-                <a:latin typeface="VNI-Mysti" pitchFamily="2" charset="0"/>
-              </a:rPr>
-              <a:t>BÖÔÙC </a:t>
-            </a:r>
-            <a:r>
-              <a:rPr lang="sv-SE" sz="4000" b="1">
-                <a:solidFill>
-                  <a:srgbClr val="FFFF00"/>
-                </a:solidFill>
-                <a:effectLst>
-                  <a:glow rad="101600">
-                    <a:prstClr val="black">
-                      <a:alpha val="60000"/>
-                    </a:prstClr>
-                  </a:glow>
-                </a:effectLst>
-                <a:latin typeface="VNI-Mysti" pitchFamily="2" charset="0"/>
-              </a:rPr>
-              <a:t>VÔÙI CHUÙA YEÂU THÖÔNG</a:t>
-            </a:r>
-            <a:endParaRPr lang="sv-SE" sz="4000" b="1" dirty="0">
-              <a:solidFill>
-                <a:srgbClr val="FFFF00"/>
-              </a:solidFill>
-              <a:effectLst>
-                <a:glow rad="101600">
-                  <a:prstClr val="black">
-                    <a:alpha val="60000"/>
-                  </a:prstClr>
-                </a:glow>
-              </a:effectLst>
-              <a:latin typeface="VNI-Mysti" pitchFamily="2" charset="0"/>
-            </a:endParaRPr>
-          </a:p>
-        </p:txBody>
-      </p:sp>
     </p:spTree>
     <p:extLst>
       <p:ext uri="{BB962C8B-B14F-4D97-AF65-F5344CB8AC3E}">
@@ -4255,13 +3361,6 @@
       </p:transition>
     </mc:Fallback>
   </mc:AlternateContent>
-  <p:timing>
-    <p:tnLst>
-      <p:par>
-        <p:cTn id="1" dur="indefinite" restart="never" nodeType="tmRoot"/>
-      </p:par>
-    </p:tnLst>
-  </p:timing>
 </p:sld>
 </file>
 
@@ -4386,83 +3485,6 @@
           </a:p>
         </p:txBody>
       </p:sp>
-      <p:sp>
-        <p:nvSpPr>
-          <p:cNvPr id="3" name="Title 1"/>
-          <p:cNvSpPr txBox="1">
-            <a:spLocks/>
-          </p:cNvSpPr>
-          <p:nvPr/>
-        </p:nvSpPr>
-        <p:spPr>
-          <a:xfrm>
-            <a:off x="152399" y="6019800"/>
-            <a:ext cx="7772401" cy="685800"/>
-          </a:xfrm>
-          <a:prstGeom prst="rect">
-            <a:avLst/>
-          </a:prstGeom>
-        </p:spPr>
-        <p:txBody>
-          <a:bodyPr vert="horz" lIns="91440" tIns="45720" rIns="91440" bIns="45720" rtlCol="0" anchor="ctr">
-            <a:noAutofit/>
-          </a:bodyPr>
-          <a:lstStyle/>
-          <a:p>
-            <a:pPr algn="ctr">
-              <a:spcBef>
-                <a:spcPct val="0"/>
-              </a:spcBef>
-              <a:defRPr/>
-            </a:pPr>
-            <a:r>
-              <a:rPr lang="sv-SE" sz="4000" b="1" smtClean="0">
-                <a:solidFill>
-                  <a:srgbClr val="FFFF00"/>
-                </a:solidFill>
-                <a:effectLst>
-                  <a:glow rad="101600">
-                    <a:prstClr val="black">
-                      <a:alpha val="60000"/>
-                    </a:prstClr>
-                  </a:glow>
-                </a:effectLst>
-                <a:latin typeface="VNI-Mysti" pitchFamily="2" charset="0"/>
-              </a:rPr>
-              <a:t>BÖÔÙC </a:t>
-            </a:r>
-            <a:r>
-              <a:rPr lang="sv-SE" sz="4000" b="1">
-                <a:solidFill>
-                  <a:srgbClr val="FFFF00"/>
-                </a:solidFill>
-                <a:effectLst>
-                  <a:glow rad="101600">
-                    <a:prstClr val="black">
-                      <a:alpha val="60000"/>
-                    </a:prstClr>
-                  </a:glow>
-                </a:effectLst>
-                <a:latin typeface="VNI-Mysti" pitchFamily="2" charset="0"/>
-              </a:rPr>
-              <a:t>VÔÙI CHUÙA YEÂU THÖÔNG</a:t>
-            </a:r>
-            <a:endParaRPr lang="sv-SE" sz="4000" b="1" dirty="0">
-              <a:solidFill>
-                <a:srgbClr val="FFFF00"/>
-              </a:solidFill>
-              <a:effectLst>
-                <a:glow rad="101600">
-                  <a:prstClr val="black">
-                    <a:alpha val="60000"/>
-                  </a:prstClr>
-                </a:glow>
-              </a:effectLst>
-              <a:latin typeface="VNI-Mysti" pitchFamily="2" charset="0"/>
-            </a:endParaRPr>
-          </a:p>
-        </p:txBody>
-      </p:sp>
     </p:spTree>
     <p:extLst>
       <p:ext uri="{BB962C8B-B14F-4D97-AF65-F5344CB8AC3E}">
@@ -4473,13 +3495,6 @@
   <p:clrMapOvr>
     <a:masterClrMapping/>
   </p:clrMapOvr>
-  <p:timing>
-    <p:tnLst>
-      <p:par>
-        <p:cTn id="1" dur="indefinite" restart="never" nodeType="tmRoot"/>
-      </p:par>
-    </p:tnLst>
-  </p:timing>
 </p:sld>
 </file>
 
@@ -4584,117 +3599,8 @@
                 </a:effectLst>
                 <a:latin typeface="HP-Aptima" pitchFamily="34" charset="0"/>
               </a:rPr>
-              <a:t>yeâu thöông, toâi ñi muoân </a:t>
-            </a:r>
-            <a:r>
-              <a:rPr lang="en-US" sz="6600" b="1" smtClean="0">
-                <a:solidFill>
-                  <a:prstClr val="black"/>
-                </a:solidFill>
-                <a:effectLst>
-                  <a:glow rad="101600">
-                    <a:prstClr val="white">
-                      <a:alpha val="60000"/>
-                    </a:prstClr>
-                  </a:glow>
-                </a:effectLst>
-                <a:latin typeface="HP-Aptima" pitchFamily="34" charset="0"/>
-              </a:rPr>
-              <a:t>phöông, </a:t>
-            </a:r>
-            <a:r>
-              <a:rPr lang="en-US" sz="6600" b="1">
-                <a:solidFill>
-                  <a:prstClr val="black"/>
-                </a:solidFill>
-                <a:effectLst>
-                  <a:glow rad="101600">
-                    <a:prstClr val="white">
-                      <a:alpha val="60000"/>
-                    </a:prstClr>
-                  </a:glow>
-                </a:effectLst>
-                <a:latin typeface="HP-Aptima" pitchFamily="34" charset="0"/>
-              </a:rPr>
-              <a:t>khoâng vöông lo buoàn.</a:t>
-            </a:r>
-          </a:p>
-        </p:txBody>
-      </p:sp>
-      <p:sp>
-        <p:nvSpPr>
-          <p:cNvPr id="3" name="Title 1"/>
-          <p:cNvSpPr txBox="1">
-            <a:spLocks/>
-          </p:cNvSpPr>
-          <p:nvPr/>
-        </p:nvSpPr>
-        <p:spPr>
-          <a:xfrm>
-            <a:off x="152399" y="6019800"/>
-            <a:ext cx="7772401" cy="685800"/>
-          </a:xfrm>
-          <a:prstGeom prst="rect">
-            <a:avLst/>
-          </a:prstGeom>
-        </p:spPr>
-        <p:txBody>
-          <a:bodyPr vert="horz" lIns="91440" tIns="45720" rIns="91440" bIns="45720" rtlCol="0" anchor="ctr">
-            <a:noAutofit/>
-          </a:bodyPr>
-          <a:lstStyle/>
-          <a:p>
-            <a:pPr algn="ctr">
-              <a:spcBef>
-                <a:spcPct val="0"/>
-              </a:spcBef>
-              <a:defRPr/>
-            </a:pPr>
-            <a:r>
-              <a:rPr lang="sv-SE" sz="4000" b="1" smtClean="0">
-                <a:solidFill>
-                  <a:srgbClr val="FFFF00"/>
-                </a:solidFill>
-                <a:effectLst>
-                  <a:glow rad="101600">
-                    <a:prstClr val="black">
-                      <a:alpha val="60000"/>
-                    </a:prstClr>
-                  </a:glow>
-                </a:effectLst>
-                <a:latin typeface="VNI-Mysti" pitchFamily="2" charset="0"/>
-              </a:rPr>
-              <a:t>BÖÔÙC </a:t>
-            </a:r>
-            <a:r>
-              <a:rPr lang="sv-SE" sz="4000" b="1">
-                <a:solidFill>
-                  <a:srgbClr val="FFFF00"/>
-                </a:solidFill>
-                <a:effectLst>
-                  <a:glow rad="101600">
-                    <a:prstClr val="black">
-                      <a:alpha val="60000"/>
-                    </a:prstClr>
-                  </a:glow>
-                </a:effectLst>
-                <a:latin typeface="VNI-Mysti" pitchFamily="2" charset="0"/>
-              </a:rPr>
-              <a:t>VÔÙI CHUÙA YEÂU THÖÔNG</a:t>
-            </a:r>
-            <a:endParaRPr lang="sv-SE" sz="4000" b="1" dirty="0">
-              <a:solidFill>
-                <a:srgbClr val="FFFF00"/>
-              </a:solidFill>
-              <a:effectLst>
-                <a:glow rad="101600">
-                  <a:prstClr val="black">
-                    <a:alpha val="60000"/>
-                  </a:prstClr>
-                </a:glow>
-              </a:effectLst>
-              <a:latin typeface="VNI-Mysti" pitchFamily="2" charset="0"/>
-            </a:endParaRPr>
+              <a:t>yeâu thöông, toâi ñi muoân phöông, khoâng vöông lo buoàn.</a:t>
+            </a:r>
           </a:p>
         </p:txBody>
       </p:sp>
@@ -4711,13 +3617,6 @@
   <p:transition spd="slow">
     <p:wheel spokes="1"/>
   </p:transition>
-  <p:timing>
-    <p:tnLst>
-      <p:par>
-        <p:cTn id="1" dur="indefinite" restart="never" nodeType="tmRoot"/>
-      </p:par>
-    </p:tnLst>
-  </p:timing>
 </p:sld>
 </file>
 
@@ -4873,83 +3772,6 @@
           </a:p>
         </p:txBody>
       </p:sp>
-      <p:sp>
-        <p:nvSpPr>
-          <p:cNvPr id="3" name="Title 1"/>
-          <p:cNvSpPr txBox="1">
-            <a:spLocks/>
-          </p:cNvSpPr>
-          <p:nvPr/>
-        </p:nvSpPr>
-        <p:spPr>
-          <a:xfrm>
-            <a:off x="152399" y="6019800"/>
-            <a:ext cx="7772401" cy="685800"/>
-          </a:xfrm>
-          <a:prstGeom prst="rect">
-            <a:avLst/>
-          </a:prstGeom>
-        </p:spPr>
-        <p:txBody>
-          <a:bodyPr vert="horz" lIns="91440" tIns="45720" rIns="91440" bIns="45720" rtlCol="0" anchor="ctr">
-            <a:noAutofit/>
-          </a:bodyPr>
-          <a:lstStyle/>
-          <a:p>
-            <a:pPr algn="ctr">
-              <a:spcBef>
-                <a:spcPct val="0"/>
-              </a:spcBef>
-              <a:defRPr/>
-            </a:pPr>
-            <a:r>
-              <a:rPr lang="sv-SE" sz="4000" b="1" smtClean="0">
-                <a:solidFill>
-                  <a:srgbClr val="FFFF00"/>
-                </a:solidFill>
-                <a:effectLst>
-                  <a:glow rad="101600">
-                    <a:prstClr val="black">
-                      <a:alpha val="60000"/>
-                    </a:prstClr>
-                  </a:glow>
-                </a:effectLst>
-                <a:latin typeface="VNI-Mysti" pitchFamily="2" charset="0"/>
-              </a:rPr>
-              <a:t>BÖÔÙC </a:t>
-            </a:r>
-            <a:r>
-              <a:rPr lang="sv-SE" sz="4000" b="1">
-                <a:solidFill>
-                  <a:srgbClr val="FFFF00"/>
-                </a:solidFill>
-                <a:effectLst>
-                  <a:glow rad="101600">
-                    <a:prstClr val="black">
-                      <a:alpha val="60000"/>
-                    </a:prstClr>
-                  </a:glow>
-                </a:effectLst>
-                <a:latin typeface="VNI-Mysti" pitchFamily="2" charset="0"/>
-              </a:rPr>
-              <a:t>VÔÙI CHUÙA YEÂU THÖÔNG</a:t>
-            </a:r>
-            <a:endParaRPr lang="sv-SE" sz="4000" b="1" dirty="0">
-              <a:solidFill>
-                <a:srgbClr val="FFFF00"/>
-              </a:solidFill>
-              <a:effectLst>
-                <a:glow rad="101600">
-                  <a:prstClr val="black">
-                    <a:alpha val="60000"/>
-                  </a:prstClr>
-                </a:glow>
-              </a:effectLst>
-              <a:latin typeface="VNI-Mysti" pitchFamily="2" charset="0"/>
-            </a:endParaRPr>
-          </a:p>
-        </p:txBody>
-      </p:sp>
     </p:spTree>
     <p:extLst>
       <p:ext uri="{BB962C8B-B14F-4D97-AF65-F5344CB8AC3E}">
@@ -4960,13 +3782,6 @@
   <p:clrMapOvr>
     <a:masterClrMapping/>
   </p:clrMapOvr>
-  <p:timing>
-    <p:tnLst>
-      <p:par>
-        <p:cTn id="1" dur="indefinite" restart="never" nodeType="tmRoot"/>
-      </p:par>
-    </p:tnLst>
-  </p:timing>
 </p:sld>
 </file>
 
@@ -5091,83 +3906,6 @@
           </a:p>
         </p:txBody>
       </p:sp>
-      <p:sp>
-        <p:nvSpPr>
-          <p:cNvPr id="3" name="Title 1"/>
-          <p:cNvSpPr txBox="1">
-            <a:spLocks/>
-          </p:cNvSpPr>
-          <p:nvPr/>
-        </p:nvSpPr>
-        <p:spPr>
-          <a:xfrm>
-            <a:off x="152399" y="6019800"/>
-            <a:ext cx="7772401" cy="685800"/>
-          </a:xfrm>
-          <a:prstGeom prst="rect">
-            <a:avLst/>
-          </a:prstGeom>
-        </p:spPr>
-        <p:txBody>
-          <a:bodyPr vert="horz" lIns="91440" tIns="45720" rIns="91440" bIns="45720" rtlCol="0" anchor="ctr">
-            <a:noAutofit/>
-          </a:bodyPr>
-          <a:lstStyle/>
-          <a:p>
-            <a:pPr algn="ctr">
-              <a:spcBef>
-                <a:spcPct val="0"/>
-              </a:spcBef>
-              <a:defRPr/>
-            </a:pPr>
-            <a:r>
-              <a:rPr lang="sv-SE" sz="4000" b="1" smtClean="0">
-                <a:solidFill>
-                  <a:srgbClr val="FFFF00"/>
-                </a:solidFill>
-                <a:effectLst>
-                  <a:glow rad="101600">
-                    <a:prstClr val="black">
-                      <a:alpha val="60000"/>
-                    </a:prstClr>
-                  </a:glow>
-                </a:effectLst>
-                <a:latin typeface="VNI-Mysti" pitchFamily="2" charset="0"/>
-              </a:rPr>
-              <a:t>BÖÔÙC </a:t>
-            </a:r>
-            <a:r>
-              <a:rPr lang="sv-SE" sz="4000" b="1">
-                <a:solidFill>
-                  <a:srgbClr val="FFFF00"/>
-                </a:solidFill>
-                <a:effectLst>
-                  <a:glow rad="101600">
-                    <a:prstClr val="black">
-                      <a:alpha val="60000"/>
-                    </a:prstClr>
-                  </a:glow>
-                </a:effectLst>
-                <a:latin typeface="VNI-Mysti" pitchFamily="2" charset="0"/>
-              </a:rPr>
-              <a:t>VÔÙI CHUÙA YEÂU THÖÔNG</a:t>
-            </a:r>
-            <a:endParaRPr lang="sv-SE" sz="4000" b="1" dirty="0">
-              <a:solidFill>
-                <a:srgbClr val="FFFF00"/>
-              </a:solidFill>
-              <a:effectLst>
-                <a:glow rad="101600">
-                  <a:prstClr val="black">
-                    <a:alpha val="60000"/>
-                  </a:prstClr>
-                </a:glow>
-              </a:effectLst>
-              <a:latin typeface="VNI-Mysti" pitchFamily="2" charset="0"/>
-            </a:endParaRPr>
-          </a:p>
-        </p:txBody>
-      </p:sp>
     </p:spTree>
     <p:extLst>
       <p:ext uri="{BB962C8B-B14F-4D97-AF65-F5344CB8AC3E}">
@@ -5178,13 +3916,6 @@
   <p:clrMapOvr>
     <a:masterClrMapping/>
   </p:clrMapOvr>
-  <p:timing>
-    <p:tnLst>
-      <p:par>
-        <p:cTn id="1" dur="indefinite" restart="never" nodeType="tmRoot"/>
-      </p:par>
-    </p:tnLst>
-  </p:timing>
 </p:sld>
 </file>
 
@@ -5229,7 +3960,7 @@
           <a:p>
             <a:pPr algn="ctr"/>
             <a:r>
-              <a:rPr lang="en-US" sz="4000" b="1" i="1" smtClean="0">
+              <a:rPr lang="en-US" sz="4000" b="1" i="1">
                 <a:solidFill>
                   <a:prstClr val="black"/>
                 </a:solidFill>
@@ -5245,36 +3976,20 @@
               <a:t>ÑK: </a:t>
             </a:r>
             <a:r>
-              <a:rPr lang="en-US" sz="6600" b="1" smtClean="0">
-                <a:solidFill>
-                  <a:prstClr val="black"/>
-                </a:solidFill>
-                <a:effectLst>
-                  <a:glow rad="101600">
-                    <a:prstClr val="white">
-                      <a:alpha val="60000"/>
-                    </a:prstClr>
-                  </a:glow>
-                </a:effectLst>
-                <a:latin typeface="HP-Aptima" pitchFamily="34" charset="0"/>
-              </a:rPr>
-              <a:t>Ñöôïc </a:t>
-            </a:r>
-            <a:r>
-              <a:rPr lang="en-US" sz="6600" b="1">
-                <a:solidFill>
-                  <a:prstClr val="black"/>
-                </a:solidFill>
-                <a:effectLst>
-                  <a:glow rad="101600">
-                    <a:prstClr val="white">
-                      <a:alpha val="60000"/>
-                    </a:prstClr>
-                  </a:glow>
-                </a:effectLst>
-                <a:latin typeface="HP-Aptima" pitchFamily="34" charset="0"/>
-              </a:rPr>
-              <a:t>ñi vôùi Cha </a:t>
+              <a:rPr lang="en-US" sz="6600" b="1">
+                <a:solidFill>
+                  <a:prstClr val="black"/>
+                </a:solidFill>
+                <a:effectLst>
+                  <a:glow rad="101600">
+                    <a:prstClr val="white">
+                      <a:alpha val="60000"/>
+                    </a:prstClr>
+                  </a:glow>
+                </a:effectLst>
+                <a:latin typeface="HP-Aptima" pitchFamily="34" charset="0"/>
+              </a:rPr>
+              <a:t>Ñöôïc ñi vôùi Cha </a:t>
             </a:r>
             <a:br>
               <a:rPr lang="en-US" sz="6600" b="1">
@@ -5338,83 +4053,6 @@
               </a:rPr>
               <a:t>khuaát xa.</a:t>
             </a:r>
-          </a:p>
-        </p:txBody>
-      </p:sp>
-      <p:sp>
-        <p:nvSpPr>
-          <p:cNvPr id="3" name="Title 1"/>
-          <p:cNvSpPr txBox="1">
-            <a:spLocks/>
-          </p:cNvSpPr>
-          <p:nvPr/>
-        </p:nvSpPr>
-        <p:spPr>
-          <a:xfrm>
-            <a:off x="152399" y="6019800"/>
-            <a:ext cx="7772401" cy="685800"/>
-          </a:xfrm>
-          <a:prstGeom prst="rect">
-            <a:avLst/>
-          </a:prstGeom>
-        </p:spPr>
-        <p:txBody>
-          <a:bodyPr vert="horz" lIns="91440" tIns="45720" rIns="91440" bIns="45720" rtlCol="0" anchor="ctr">
-            <a:noAutofit/>
-          </a:bodyPr>
-          <a:lstStyle/>
-          <a:p>
-            <a:pPr algn="ctr">
-              <a:spcBef>
-                <a:spcPct val="0"/>
-              </a:spcBef>
-              <a:defRPr/>
-            </a:pPr>
-            <a:r>
-              <a:rPr lang="sv-SE" sz="4000" b="1" smtClean="0">
-                <a:solidFill>
-                  <a:srgbClr val="FFFF00"/>
-                </a:solidFill>
-                <a:effectLst>
-                  <a:glow rad="101600">
-                    <a:prstClr val="black">
-                      <a:alpha val="60000"/>
-                    </a:prstClr>
-                  </a:glow>
-                </a:effectLst>
-                <a:latin typeface="VNI-Mysti" pitchFamily="2" charset="0"/>
-              </a:rPr>
-              <a:t>BÖÔÙC </a:t>
-            </a:r>
-            <a:r>
-              <a:rPr lang="sv-SE" sz="4000" b="1">
-                <a:solidFill>
-                  <a:srgbClr val="FFFF00"/>
-                </a:solidFill>
-                <a:effectLst>
-                  <a:glow rad="101600">
-                    <a:prstClr val="black">
-                      <a:alpha val="60000"/>
-                    </a:prstClr>
-                  </a:glow>
-                </a:effectLst>
-                <a:latin typeface="VNI-Mysti" pitchFamily="2" charset="0"/>
-              </a:rPr>
-              <a:t>VÔÙI CHUÙA YEÂU THÖÔNG</a:t>
-            </a:r>
-            <a:endParaRPr lang="sv-SE" sz="4000" b="1" dirty="0">
-              <a:solidFill>
-                <a:srgbClr val="FFFF00"/>
-              </a:solidFill>
-              <a:effectLst>
-                <a:glow rad="101600">
-                  <a:prstClr val="black">
-                    <a:alpha val="60000"/>
-                  </a:prstClr>
-                </a:glow>
-              </a:effectLst>
-              <a:latin typeface="VNI-Mysti" pitchFamily="2" charset="0"/>
-            </a:endParaRPr>
           </a:p>
         </p:txBody>
       </p:sp>
@@ -5428,13 +4066,6 @@
   <p:clrMapOvr>
     <a:masterClrMapping/>
   </p:clrMapOvr>
-  <p:timing>
-    <p:tnLst>
-      <p:par>
-        <p:cTn id="1" dur="indefinite" restart="never" nodeType="tmRoot"/>
-      </p:par>
-    </p:tnLst>
-  </p:timing>
 </p:sld>
 </file>
 
@@ -5559,83 +4190,6 @@
           </a:p>
         </p:txBody>
       </p:sp>
-      <p:sp>
-        <p:nvSpPr>
-          <p:cNvPr id="3" name="Title 1"/>
-          <p:cNvSpPr txBox="1">
-            <a:spLocks/>
-          </p:cNvSpPr>
-          <p:nvPr/>
-        </p:nvSpPr>
-        <p:spPr>
-          <a:xfrm>
-            <a:off x="152399" y="6019800"/>
-            <a:ext cx="7772401" cy="685800"/>
-          </a:xfrm>
-          <a:prstGeom prst="rect">
-            <a:avLst/>
-          </a:prstGeom>
-        </p:spPr>
-        <p:txBody>
-          <a:bodyPr vert="horz" lIns="91440" tIns="45720" rIns="91440" bIns="45720" rtlCol="0" anchor="ctr">
-            <a:noAutofit/>
-          </a:bodyPr>
-          <a:lstStyle/>
-          <a:p>
-            <a:pPr algn="ctr">
-              <a:spcBef>
-                <a:spcPct val="0"/>
-              </a:spcBef>
-              <a:defRPr/>
-            </a:pPr>
-            <a:r>
-              <a:rPr lang="sv-SE" sz="4000" b="1" smtClean="0">
-                <a:solidFill>
-                  <a:srgbClr val="FFFF00"/>
-                </a:solidFill>
-                <a:effectLst>
-                  <a:glow rad="101600">
-                    <a:prstClr val="black">
-                      <a:alpha val="60000"/>
-                    </a:prstClr>
-                  </a:glow>
-                </a:effectLst>
-                <a:latin typeface="VNI-Mysti" pitchFamily="2" charset="0"/>
-              </a:rPr>
-              <a:t>BÖÔÙC </a:t>
-            </a:r>
-            <a:r>
-              <a:rPr lang="sv-SE" sz="4000" b="1">
-                <a:solidFill>
-                  <a:srgbClr val="FFFF00"/>
-                </a:solidFill>
-                <a:effectLst>
-                  <a:glow rad="101600">
-                    <a:prstClr val="black">
-                      <a:alpha val="60000"/>
-                    </a:prstClr>
-                  </a:glow>
-                </a:effectLst>
-                <a:latin typeface="VNI-Mysti" pitchFamily="2" charset="0"/>
-              </a:rPr>
-              <a:t>VÔÙI CHUÙA YEÂU THÖÔNG</a:t>
-            </a:r>
-            <a:endParaRPr lang="sv-SE" sz="4000" b="1" dirty="0">
-              <a:solidFill>
-                <a:srgbClr val="FFFF00"/>
-              </a:solidFill>
-              <a:effectLst>
-                <a:glow rad="101600">
-                  <a:prstClr val="black">
-                    <a:alpha val="60000"/>
-                  </a:prstClr>
-                </a:glow>
-              </a:effectLst>
-              <a:latin typeface="VNI-Mysti" pitchFamily="2" charset="0"/>
-            </a:endParaRPr>
-          </a:p>
-        </p:txBody>
-      </p:sp>
     </p:spTree>
     <p:extLst>
       <p:ext uri="{BB962C8B-B14F-4D97-AF65-F5344CB8AC3E}">
@@ -5646,13 +4200,6 @@
   <p:clrMapOvr>
     <a:masterClrMapping/>
   </p:clrMapOvr>
-  <p:timing>
-    <p:tnLst>
-      <p:par>
-        <p:cTn id="1" dur="indefinite" restart="never" nodeType="tmRoot"/>
-      </p:par>
-    </p:tnLst>
-  </p:timing>
 </p:sld>
 </file>
 
@@ -5777,83 +4324,6 @@
           </a:p>
         </p:txBody>
       </p:sp>
-      <p:sp>
-        <p:nvSpPr>
-          <p:cNvPr id="3" name="Title 1"/>
-          <p:cNvSpPr txBox="1">
-            <a:spLocks/>
-          </p:cNvSpPr>
-          <p:nvPr/>
-        </p:nvSpPr>
-        <p:spPr>
-          <a:xfrm>
-            <a:off x="152399" y="6019800"/>
-            <a:ext cx="7772401" cy="685800"/>
-          </a:xfrm>
-          <a:prstGeom prst="rect">
-            <a:avLst/>
-          </a:prstGeom>
-        </p:spPr>
-        <p:txBody>
-          <a:bodyPr vert="horz" lIns="91440" tIns="45720" rIns="91440" bIns="45720" rtlCol="0" anchor="ctr">
-            <a:noAutofit/>
-          </a:bodyPr>
-          <a:lstStyle/>
-          <a:p>
-            <a:pPr algn="ctr">
-              <a:spcBef>
-                <a:spcPct val="0"/>
-              </a:spcBef>
-              <a:defRPr/>
-            </a:pPr>
-            <a:r>
-              <a:rPr lang="sv-SE" sz="4000" b="1" smtClean="0">
-                <a:solidFill>
-                  <a:srgbClr val="FFFF00"/>
-                </a:solidFill>
-                <a:effectLst>
-                  <a:glow rad="101600">
-                    <a:prstClr val="black">
-                      <a:alpha val="60000"/>
-                    </a:prstClr>
-                  </a:glow>
-                </a:effectLst>
-                <a:latin typeface="VNI-Mysti" pitchFamily="2" charset="0"/>
-              </a:rPr>
-              <a:t>BÖÔÙC </a:t>
-            </a:r>
-            <a:r>
-              <a:rPr lang="sv-SE" sz="4000" b="1">
-                <a:solidFill>
-                  <a:srgbClr val="FFFF00"/>
-                </a:solidFill>
-                <a:effectLst>
-                  <a:glow rad="101600">
-                    <a:prstClr val="black">
-                      <a:alpha val="60000"/>
-                    </a:prstClr>
-                  </a:glow>
-                </a:effectLst>
-                <a:latin typeface="VNI-Mysti" pitchFamily="2" charset="0"/>
-              </a:rPr>
-              <a:t>VÔÙI CHUÙA YEÂU THÖÔNG</a:t>
-            </a:r>
-            <a:endParaRPr lang="sv-SE" sz="4000" b="1" dirty="0">
-              <a:solidFill>
-                <a:srgbClr val="FFFF00"/>
-              </a:solidFill>
-              <a:effectLst>
-                <a:glow rad="101600">
-                  <a:prstClr val="black">
-                    <a:alpha val="60000"/>
-                  </a:prstClr>
-                </a:glow>
-              </a:effectLst>
-              <a:latin typeface="VNI-Mysti" pitchFamily="2" charset="0"/>
-            </a:endParaRPr>
-          </a:p>
-        </p:txBody>
-      </p:sp>
     </p:spTree>
     <p:extLst>
       <p:ext uri="{BB962C8B-B14F-4D97-AF65-F5344CB8AC3E}">
@@ -5864,13 +4334,6 @@
   <p:clrMapOvr>
     <a:masterClrMapping/>
   </p:clrMapOvr>
-  <p:timing>
-    <p:tnLst>
-      <p:par>
-        <p:cTn id="1" dur="indefinite" restart="never" nodeType="tmRoot"/>
-      </p:par>
-    </p:tnLst>
-  </p:timing>
 </p:sld>
 </file>
 
@@ -5995,83 +4458,6 @@
           </a:p>
         </p:txBody>
       </p:sp>
-      <p:sp>
-        <p:nvSpPr>
-          <p:cNvPr id="3" name="Title 1"/>
-          <p:cNvSpPr txBox="1">
-            <a:spLocks/>
-          </p:cNvSpPr>
-          <p:nvPr/>
-        </p:nvSpPr>
-        <p:spPr>
-          <a:xfrm>
-            <a:off x="152399" y="6019800"/>
-            <a:ext cx="7772401" cy="685800"/>
-          </a:xfrm>
-          <a:prstGeom prst="rect">
-            <a:avLst/>
-          </a:prstGeom>
-        </p:spPr>
-        <p:txBody>
-          <a:bodyPr vert="horz" lIns="91440" tIns="45720" rIns="91440" bIns="45720" rtlCol="0" anchor="ctr">
-            <a:noAutofit/>
-          </a:bodyPr>
-          <a:lstStyle/>
-          <a:p>
-            <a:pPr algn="ctr">
-              <a:spcBef>
-                <a:spcPct val="0"/>
-              </a:spcBef>
-              <a:defRPr/>
-            </a:pPr>
-            <a:r>
-              <a:rPr lang="sv-SE" sz="4000" b="1" smtClean="0">
-                <a:solidFill>
-                  <a:srgbClr val="FFFF00"/>
-                </a:solidFill>
-                <a:effectLst>
-                  <a:glow rad="101600">
-                    <a:prstClr val="black">
-                      <a:alpha val="60000"/>
-                    </a:prstClr>
-                  </a:glow>
-                </a:effectLst>
-                <a:latin typeface="VNI-Mysti" pitchFamily="2" charset="0"/>
-              </a:rPr>
-              <a:t>BÖÔÙC </a:t>
-            </a:r>
-            <a:r>
-              <a:rPr lang="sv-SE" sz="4000" b="1">
-                <a:solidFill>
-                  <a:srgbClr val="FFFF00"/>
-                </a:solidFill>
-                <a:effectLst>
-                  <a:glow rad="101600">
-                    <a:prstClr val="black">
-                      <a:alpha val="60000"/>
-                    </a:prstClr>
-                  </a:glow>
-                </a:effectLst>
-                <a:latin typeface="VNI-Mysti" pitchFamily="2" charset="0"/>
-              </a:rPr>
-              <a:t>VÔÙI CHUÙA YEÂU THÖÔNG</a:t>
-            </a:r>
-            <a:endParaRPr lang="sv-SE" sz="4000" b="1" dirty="0">
-              <a:solidFill>
-                <a:srgbClr val="FFFF00"/>
-              </a:solidFill>
-              <a:effectLst>
-                <a:glow rad="101600">
-                  <a:prstClr val="black">
-                    <a:alpha val="60000"/>
-                  </a:prstClr>
-                </a:glow>
-              </a:effectLst>
-              <a:latin typeface="VNI-Mysti" pitchFamily="2" charset="0"/>
-            </a:endParaRPr>
-          </a:p>
-        </p:txBody>
-      </p:sp>
     </p:spTree>
     <p:extLst>
       <p:ext uri="{BB962C8B-B14F-4D97-AF65-F5344CB8AC3E}">
@@ -6082,13 +4468,6 @@
   <p:clrMapOvr>
     <a:masterClrMapping/>
   </p:clrMapOvr>
-  <p:timing>
-    <p:tnLst>
-      <p:par>
-        <p:cTn id="1" dur="indefinite" restart="never" nodeType="tmRoot"/>
-      </p:par>
-    </p:tnLst>
-  </p:timing>
 </p:sld>
 </file>
 
@@ -6177,117 +4556,8 @@
                 </a:effectLst>
                 <a:latin typeface="HP-Aptima" pitchFamily="34" charset="0"/>
               </a:rPr>
-              <a:t>aùnh </a:t>
-            </a:r>
-            <a:r>
-              <a:rPr lang="en-US" sz="6600" b="1" smtClean="0">
-                <a:solidFill>
-                  <a:prstClr val="black"/>
-                </a:solidFill>
-                <a:effectLst>
-                  <a:glow rad="101600">
-                    <a:prstClr val="white">
-                      <a:alpha val="60000"/>
-                    </a:prstClr>
-                  </a:glow>
-                </a:effectLst>
-                <a:latin typeface="HP-Aptima" pitchFamily="34" charset="0"/>
-              </a:rPr>
-              <a:t>chieâu </a:t>
-            </a:r>
-            <a:r>
-              <a:rPr lang="en-US" sz="6600" b="1">
-                <a:solidFill>
-                  <a:prstClr val="black"/>
-                </a:solidFill>
-                <a:effectLst>
-                  <a:glow rad="101600">
-                    <a:prstClr val="white">
-                      <a:alpha val="60000"/>
-                    </a:prstClr>
-                  </a:glow>
-                </a:effectLst>
-                <a:latin typeface="HP-Aptima" pitchFamily="34" charset="0"/>
-              </a:rPr>
-              <a:t>döông. </a:t>
-            </a:r>
-          </a:p>
-        </p:txBody>
-      </p:sp>
-      <p:sp>
-        <p:nvSpPr>
-          <p:cNvPr id="3" name="Title 1"/>
-          <p:cNvSpPr txBox="1">
-            <a:spLocks/>
-          </p:cNvSpPr>
-          <p:nvPr/>
-        </p:nvSpPr>
-        <p:spPr>
-          <a:xfrm>
-            <a:off x="152399" y="6019800"/>
-            <a:ext cx="7772401" cy="685800"/>
-          </a:xfrm>
-          <a:prstGeom prst="rect">
-            <a:avLst/>
-          </a:prstGeom>
-        </p:spPr>
-        <p:txBody>
-          <a:bodyPr vert="horz" lIns="91440" tIns="45720" rIns="91440" bIns="45720" rtlCol="0" anchor="ctr">
-            <a:noAutofit/>
-          </a:bodyPr>
-          <a:lstStyle/>
-          <a:p>
-            <a:pPr algn="ctr">
-              <a:spcBef>
-                <a:spcPct val="0"/>
-              </a:spcBef>
-              <a:defRPr/>
-            </a:pPr>
-            <a:r>
-              <a:rPr lang="sv-SE" sz="4000" b="1" smtClean="0">
-                <a:solidFill>
-                  <a:srgbClr val="FFFF00"/>
-                </a:solidFill>
-                <a:effectLst>
-                  <a:glow rad="101600">
-                    <a:prstClr val="black">
-                      <a:alpha val="60000"/>
-                    </a:prstClr>
-                  </a:glow>
-                </a:effectLst>
-                <a:latin typeface="VNI-Mysti" pitchFamily="2" charset="0"/>
-              </a:rPr>
-              <a:t>BÖÔÙC </a:t>
-            </a:r>
-            <a:r>
-              <a:rPr lang="sv-SE" sz="4000" b="1">
-                <a:solidFill>
-                  <a:srgbClr val="FFFF00"/>
-                </a:solidFill>
-                <a:effectLst>
-                  <a:glow rad="101600">
-                    <a:prstClr val="black">
-                      <a:alpha val="60000"/>
-                    </a:prstClr>
-                  </a:glow>
-                </a:effectLst>
-                <a:latin typeface="VNI-Mysti" pitchFamily="2" charset="0"/>
-              </a:rPr>
-              <a:t>VÔÙI CHUÙA YEÂU THÖÔNG</a:t>
-            </a:r>
-            <a:endParaRPr lang="sv-SE" sz="4000" b="1" dirty="0">
-              <a:solidFill>
-                <a:srgbClr val="FFFF00"/>
-              </a:solidFill>
-              <a:effectLst>
-                <a:glow rad="101600">
-                  <a:prstClr val="black">
-                    <a:alpha val="60000"/>
-                  </a:prstClr>
-                </a:glow>
-              </a:effectLst>
-              <a:latin typeface="VNI-Mysti" pitchFamily="2" charset="0"/>
-            </a:endParaRPr>
+              <a:t>aùnh chieâu döông. </a:t>
+            </a:r>
           </a:p>
         </p:txBody>
       </p:sp>
@@ -6301,13 +4571,6 @@
   <p:clrMapOvr>
     <a:masterClrMapping/>
   </p:clrMapOvr>
-  <p:timing>
-    <p:tnLst>
-      <p:par>
-        <p:cTn id="1" dur="indefinite" restart="never" nodeType="tmRoot"/>
-      </p:par>
-    </p:tnLst>
-  </p:timing>
 </p:sld>
 </file>
 
@@ -6401,83 +4664,6 @@
           </a:p>
         </p:txBody>
       </p:sp>
-      <p:sp>
-        <p:nvSpPr>
-          <p:cNvPr id="3" name="Title 1"/>
-          <p:cNvSpPr txBox="1">
-            <a:spLocks/>
-          </p:cNvSpPr>
-          <p:nvPr/>
-        </p:nvSpPr>
-        <p:spPr>
-          <a:xfrm>
-            <a:off x="152399" y="6019800"/>
-            <a:ext cx="7772401" cy="685800"/>
-          </a:xfrm>
-          <a:prstGeom prst="rect">
-            <a:avLst/>
-          </a:prstGeom>
-        </p:spPr>
-        <p:txBody>
-          <a:bodyPr vert="horz" lIns="91440" tIns="45720" rIns="91440" bIns="45720" rtlCol="0" anchor="ctr">
-            <a:noAutofit/>
-          </a:bodyPr>
-          <a:lstStyle/>
-          <a:p>
-            <a:pPr algn="ctr">
-              <a:spcBef>
-                <a:spcPct val="0"/>
-              </a:spcBef>
-              <a:defRPr/>
-            </a:pPr>
-            <a:r>
-              <a:rPr lang="sv-SE" sz="4000" b="1" smtClean="0">
-                <a:solidFill>
-                  <a:srgbClr val="FFFF00"/>
-                </a:solidFill>
-                <a:effectLst>
-                  <a:glow rad="101600">
-                    <a:prstClr val="black">
-                      <a:alpha val="60000"/>
-                    </a:prstClr>
-                  </a:glow>
-                </a:effectLst>
-                <a:latin typeface="VNI-Mysti" pitchFamily="2" charset="0"/>
-              </a:rPr>
-              <a:t>BÖÔÙC </a:t>
-            </a:r>
-            <a:r>
-              <a:rPr lang="sv-SE" sz="4000" b="1">
-                <a:solidFill>
-                  <a:srgbClr val="FFFF00"/>
-                </a:solidFill>
-                <a:effectLst>
-                  <a:glow rad="101600">
-                    <a:prstClr val="black">
-                      <a:alpha val="60000"/>
-                    </a:prstClr>
-                  </a:glow>
-                </a:effectLst>
-                <a:latin typeface="VNI-Mysti" pitchFamily="2" charset="0"/>
-              </a:rPr>
-              <a:t>VÔÙI CHUÙA YEÂU THÖÔNG</a:t>
-            </a:r>
-            <a:endParaRPr lang="sv-SE" sz="4000" b="1" dirty="0">
-              <a:solidFill>
-                <a:srgbClr val="FFFF00"/>
-              </a:solidFill>
-              <a:effectLst>
-                <a:glow rad="101600">
-                  <a:prstClr val="black">
-                    <a:alpha val="60000"/>
-                  </a:prstClr>
-                </a:glow>
-              </a:effectLst>
-              <a:latin typeface="VNI-Mysti" pitchFamily="2" charset="0"/>
-            </a:endParaRPr>
-          </a:p>
-        </p:txBody>
-      </p:sp>
     </p:spTree>
     <p:extLst>
       <p:ext uri="{BB962C8B-B14F-4D97-AF65-F5344CB8AC3E}">
@@ -6488,13 +4674,6 @@
   <p:clrMapOvr>
     <a:masterClrMapping/>
   </p:clrMapOvr>
-  <p:timing>
-    <p:tnLst>
-      <p:par>
-        <p:cTn id="1" dur="indefinite" restart="never" nodeType="tmRoot"/>
-      </p:par>
-    </p:tnLst>
-  </p:timing>
 </p:sld>
 </file>
 
@@ -6588,83 +4767,6 @@
           </a:p>
         </p:txBody>
       </p:sp>
-      <p:sp>
-        <p:nvSpPr>
-          <p:cNvPr id="3" name="Title 1"/>
-          <p:cNvSpPr txBox="1">
-            <a:spLocks/>
-          </p:cNvSpPr>
-          <p:nvPr/>
-        </p:nvSpPr>
-        <p:spPr>
-          <a:xfrm>
-            <a:off x="152399" y="6019800"/>
-            <a:ext cx="7772401" cy="685800"/>
-          </a:xfrm>
-          <a:prstGeom prst="rect">
-            <a:avLst/>
-          </a:prstGeom>
-        </p:spPr>
-        <p:txBody>
-          <a:bodyPr vert="horz" lIns="91440" tIns="45720" rIns="91440" bIns="45720" rtlCol="0" anchor="ctr">
-            <a:noAutofit/>
-          </a:bodyPr>
-          <a:lstStyle/>
-          <a:p>
-            <a:pPr algn="ctr">
-              <a:spcBef>
-                <a:spcPct val="0"/>
-              </a:spcBef>
-              <a:defRPr/>
-            </a:pPr>
-            <a:r>
-              <a:rPr lang="sv-SE" sz="4000" b="1" smtClean="0">
-                <a:solidFill>
-                  <a:srgbClr val="FFFF00"/>
-                </a:solidFill>
-                <a:effectLst>
-                  <a:glow rad="101600">
-                    <a:prstClr val="black">
-                      <a:alpha val="60000"/>
-                    </a:prstClr>
-                  </a:glow>
-                </a:effectLst>
-                <a:latin typeface="VNI-Mysti" pitchFamily="2" charset="0"/>
-              </a:rPr>
-              <a:t>BÖÔÙC </a:t>
-            </a:r>
-            <a:r>
-              <a:rPr lang="sv-SE" sz="4000" b="1">
-                <a:solidFill>
-                  <a:srgbClr val="FFFF00"/>
-                </a:solidFill>
-                <a:effectLst>
-                  <a:glow rad="101600">
-                    <a:prstClr val="black">
-                      <a:alpha val="60000"/>
-                    </a:prstClr>
-                  </a:glow>
-                </a:effectLst>
-                <a:latin typeface="VNI-Mysti" pitchFamily="2" charset="0"/>
-              </a:rPr>
-              <a:t>VÔÙI CHUÙA YEÂU THÖÔNG</a:t>
-            </a:r>
-            <a:endParaRPr lang="sv-SE" sz="4000" b="1" dirty="0">
-              <a:solidFill>
-                <a:srgbClr val="FFFF00"/>
-              </a:solidFill>
-              <a:effectLst>
-                <a:glow rad="101600">
-                  <a:prstClr val="black">
-                    <a:alpha val="60000"/>
-                  </a:prstClr>
-                </a:glow>
-              </a:effectLst>
-              <a:latin typeface="VNI-Mysti" pitchFamily="2" charset="0"/>
-            </a:endParaRPr>
-          </a:p>
-        </p:txBody>
-      </p:sp>
     </p:spTree>
     <p:extLst>
       <p:ext uri="{BB962C8B-B14F-4D97-AF65-F5344CB8AC3E}">
@@ -6675,13 +4777,6 @@
   <p:clrMapOvr>
     <a:masterClrMapping/>
   </p:clrMapOvr>
-  <p:timing>
-    <p:tnLst>
-      <p:par>
-        <p:cTn id="1" dur="indefinite" restart="never" nodeType="tmRoot"/>
-      </p:par>
-    </p:tnLst>
-  </p:timing>
 </p:sld>
 </file>
 
@@ -6726,7 +4821,7 @@
           <a:p>
             <a:pPr algn="ctr"/>
             <a:r>
-              <a:rPr lang="en-US" sz="4000" b="1" i="1" smtClean="0">
+              <a:rPr lang="en-US" sz="4000" b="1" i="1">
                 <a:solidFill>
                   <a:prstClr val="black"/>
                 </a:solidFill>
@@ -6742,36 +4837,20 @@
               <a:t>ÑK: </a:t>
             </a:r>
             <a:r>
-              <a:rPr lang="en-US" sz="6600" b="1" smtClean="0">
-                <a:solidFill>
-                  <a:prstClr val="black"/>
-                </a:solidFill>
-                <a:effectLst>
-                  <a:glow rad="101600">
-                    <a:prstClr val="white">
-                      <a:alpha val="60000"/>
-                    </a:prstClr>
-                  </a:glow>
-                </a:effectLst>
-                <a:latin typeface="HP-Aptima" pitchFamily="34" charset="0"/>
-              </a:rPr>
-              <a:t>Ñöôïc </a:t>
-            </a:r>
-            <a:r>
-              <a:rPr lang="en-US" sz="6600" b="1">
-                <a:solidFill>
-                  <a:prstClr val="black"/>
-                </a:solidFill>
-                <a:effectLst>
-                  <a:glow rad="101600">
-                    <a:prstClr val="white">
-                      <a:alpha val="60000"/>
-                    </a:prstClr>
-                  </a:glow>
-                </a:effectLst>
-                <a:latin typeface="HP-Aptima" pitchFamily="34" charset="0"/>
-              </a:rPr>
-              <a:t>ñi vôùi Cha </a:t>
+              <a:rPr lang="en-US" sz="6600" b="1">
+                <a:solidFill>
+                  <a:prstClr val="black"/>
+                </a:solidFill>
+                <a:effectLst>
+                  <a:glow rad="101600">
+                    <a:prstClr val="white">
+                      <a:alpha val="60000"/>
+                    </a:prstClr>
+                  </a:glow>
+                </a:effectLst>
+                <a:latin typeface="HP-Aptima" pitchFamily="34" charset="0"/>
+              </a:rPr>
+              <a:t>Ñöôïc ñi vôùi Cha </a:t>
             </a:r>
             <a:br>
               <a:rPr lang="en-US" sz="6600" b="1">
@@ -6835,83 +4914,6 @@
               </a:rPr>
               <a:t>khuaát xa.</a:t>
             </a:r>
-          </a:p>
-        </p:txBody>
-      </p:sp>
-      <p:sp>
-        <p:nvSpPr>
-          <p:cNvPr id="3" name="Title 1"/>
-          <p:cNvSpPr txBox="1">
-            <a:spLocks/>
-          </p:cNvSpPr>
-          <p:nvPr/>
-        </p:nvSpPr>
-        <p:spPr>
-          <a:xfrm>
-            <a:off x="152399" y="6019800"/>
-            <a:ext cx="7772401" cy="685800"/>
-          </a:xfrm>
-          <a:prstGeom prst="rect">
-            <a:avLst/>
-          </a:prstGeom>
-        </p:spPr>
-        <p:txBody>
-          <a:bodyPr vert="horz" lIns="91440" tIns="45720" rIns="91440" bIns="45720" rtlCol="0" anchor="ctr">
-            <a:noAutofit/>
-          </a:bodyPr>
-          <a:lstStyle/>
-          <a:p>
-            <a:pPr algn="ctr">
-              <a:spcBef>
-                <a:spcPct val="0"/>
-              </a:spcBef>
-              <a:defRPr/>
-            </a:pPr>
-            <a:r>
-              <a:rPr lang="sv-SE" sz="4000" b="1" smtClean="0">
-                <a:solidFill>
-                  <a:srgbClr val="FFFF00"/>
-                </a:solidFill>
-                <a:effectLst>
-                  <a:glow rad="101600">
-                    <a:prstClr val="black">
-                      <a:alpha val="60000"/>
-                    </a:prstClr>
-                  </a:glow>
-                </a:effectLst>
-                <a:latin typeface="VNI-Mysti" pitchFamily="2" charset="0"/>
-              </a:rPr>
-              <a:t>BÖÔÙC </a:t>
-            </a:r>
-            <a:r>
-              <a:rPr lang="sv-SE" sz="4000" b="1">
-                <a:solidFill>
-                  <a:srgbClr val="FFFF00"/>
-                </a:solidFill>
-                <a:effectLst>
-                  <a:glow rad="101600">
-                    <a:prstClr val="black">
-                      <a:alpha val="60000"/>
-                    </a:prstClr>
-                  </a:glow>
-                </a:effectLst>
-                <a:latin typeface="VNI-Mysti" pitchFamily="2" charset="0"/>
-              </a:rPr>
-              <a:t>VÔÙI CHUÙA YEÂU THÖÔNG</a:t>
-            </a:r>
-            <a:endParaRPr lang="sv-SE" sz="4000" b="1" dirty="0">
-              <a:solidFill>
-                <a:srgbClr val="FFFF00"/>
-              </a:solidFill>
-              <a:effectLst>
-                <a:glow rad="101600">
-                  <a:prstClr val="black">
-                    <a:alpha val="60000"/>
-                  </a:prstClr>
-                </a:glow>
-              </a:effectLst>
-              <a:latin typeface="VNI-Mysti" pitchFamily="2" charset="0"/>
-            </a:endParaRPr>
           </a:p>
         </p:txBody>
       </p:sp>
@@ -6925,13 +4927,6 @@
   <p:clrMapOvr>
     <a:masterClrMapping/>
   </p:clrMapOvr>
-  <p:timing>
-    <p:tnLst>
-      <p:par>
-        <p:cTn id="1" dur="indefinite" restart="never" nodeType="tmRoot"/>
-      </p:par>
-    </p:tnLst>
-  </p:timing>
 </p:sld>
 </file>
 
@@ -7007,36 +5002,20 @@
               </a:rPr>
             </a:br>
             <a:r>
-              <a:rPr lang="en-US" sz="6600" b="1" smtClean="0">
-                <a:solidFill>
-                  <a:prstClr val="black"/>
-                </a:solidFill>
-                <a:effectLst>
-                  <a:glow rad="101600">
-                    <a:prstClr val="white">
-                      <a:alpha val="60000"/>
-                    </a:prstClr>
-                  </a:glow>
-                </a:effectLst>
-                <a:latin typeface="HP-Aptima" pitchFamily="34" charset="0"/>
-              </a:rPr>
-              <a:t>Cha, </a:t>
-            </a:r>
-            <a:r>
-              <a:rPr lang="en-US" sz="6600" b="1">
-                <a:solidFill>
-                  <a:prstClr val="black"/>
-                </a:solidFill>
-                <a:effectLst>
-                  <a:glow rad="101600">
-                    <a:prstClr val="white">
-                      <a:alpha val="60000"/>
-                    </a:prstClr>
-                  </a:glow>
-                </a:effectLst>
-                <a:latin typeface="HP-Aptima" pitchFamily="34" charset="0"/>
-              </a:rPr>
-              <a:t>trong tình </a:t>
+              <a:rPr lang="en-US" sz="6600" b="1">
+                <a:solidFill>
+                  <a:prstClr val="black"/>
+                </a:solidFill>
+                <a:effectLst>
+                  <a:glow rad="101600">
+                    <a:prstClr val="white">
+                      <a:alpha val="60000"/>
+                    </a:prstClr>
+                  </a:glow>
+                </a:effectLst>
+                <a:latin typeface="HP-Aptima" pitchFamily="34" charset="0"/>
+              </a:rPr>
+              <a:t>Cha, trong tình </a:t>
             </a:r>
             <a:br>
               <a:rPr lang="en-US" sz="6600" b="1">
@@ -7069,83 +5048,6 @@
               </a:rPr>
               <a:t>thaém thieát bao la. </a:t>
             </a:r>
-          </a:p>
-        </p:txBody>
-      </p:sp>
-      <p:sp>
-        <p:nvSpPr>
-          <p:cNvPr id="3" name="Title 1"/>
-          <p:cNvSpPr txBox="1">
-            <a:spLocks/>
-          </p:cNvSpPr>
-          <p:nvPr/>
-        </p:nvSpPr>
-        <p:spPr>
-          <a:xfrm>
-            <a:off x="152399" y="6019800"/>
-            <a:ext cx="7772401" cy="685800"/>
-          </a:xfrm>
-          <a:prstGeom prst="rect">
-            <a:avLst/>
-          </a:prstGeom>
-        </p:spPr>
-        <p:txBody>
-          <a:bodyPr vert="horz" lIns="91440" tIns="45720" rIns="91440" bIns="45720" rtlCol="0" anchor="ctr">
-            <a:noAutofit/>
-          </a:bodyPr>
-          <a:lstStyle/>
-          <a:p>
-            <a:pPr algn="ctr">
-              <a:spcBef>
-                <a:spcPct val="0"/>
-              </a:spcBef>
-              <a:defRPr/>
-            </a:pPr>
-            <a:r>
-              <a:rPr lang="sv-SE" sz="4000" b="1" smtClean="0">
-                <a:solidFill>
-                  <a:srgbClr val="FFFF00"/>
-                </a:solidFill>
-                <a:effectLst>
-                  <a:glow rad="101600">
-                    <a:prstClr val="black">
-                      <a:alpha val="60000"/>
-                    </a:prstClr>
-                  </a:glow>
-                </a:effectLst>
-                <a:latin typeface="VNI-Mysti" pitchFamily="2" charset="0"/>
-              </a:rPr>
-              <a:t>BÖÔÙC </a:t>
-            </a:r>
-            <a:r>
-              <a:rPr lang="sv-SE" sz="4000" b="1">
-                <a:solidFill>
-                  <a:srgbClr val="FFFF00"/>
-                </a:solidFill>
-                <a:effectLst>
-                  <a:glow rad="101600">
-                    <a:prstClr val="black">
-                      <a:alpha val="60000"/>
-                    </a:prstClr>
-                  </a:glow>
-                </a:effectLst>
-                <a:latin typeface="VNI-Mysti" pitchFamily="2" charset="0"/>
-              </a:rPr>
-              <a:t>VÔÙI CHUÙA YEÂU THÖÔNG</a:t>
-            </a:r>
-            <a:endParaRPr lang="sv-SE" sz="4000" b="1" dirty="0">
-              <a:solidFill>
-                <a:srgbClr val="FFFF00"/>
-              </a:solidFill>
-              <a:effectLst>
-                <a:glow rad="101600">
-                  <a:prstClr val="black">
-                    <a:alpha val="60000"/>
-                  </a:prstClr>
-                </a:glow>
-              </a:effectLst>
-              <a:latin typeface="VNI-Mysti" pitchFamily="2" charset="0"/>
-            </a:endParaRPr>
           </a:p>
         </p:txBody>
       </p:sp>
@@ -7159,13 +5061,6 @@
   <p:clrMapOvr>
     <a:masterClrMapping/>
   </p:clrMapOvr>
-  <p:timing>
-    <p:tnLst>
-      <p:par>
-        <p:cTn id="1" dur="indefinite" restart="never" nodeType="tmRoot"/>
-      </p:par>
-    </p:tnLst>
-  </p:timing>
 </p:sld>
 </file>
 
@@ -7223,39 +5118,7 @@
                 </a:effectLst>
                 <a:latin typeface="HP-Aptima" pitchFamily="34" charset="0"/>
               </a:rPr>
-              <a:t>Ñöôïc ñi vôùi </a:t>
-            </a:r>
-            <a:r>
-              <a:rPr lang="en-US" sz="6600" b="1" smtClean="0">
-                <a:solidFill>
-                  <a:prstClr val="black"/>
-                </a:solidFill>
-                <a:effectLst>
-                  <a:glow rad="101600">
-                    <a:prstClr val="white">
-                      <a:alpha val="60000"/>
-                    </a:prstClr>
-                  </a:glow>
-                </a:effectLst>
-                <a:latin typeface="HP-Aptima" pitchFamily="34" charset="0"/>
-              </a:rPr>
-              <a:t>Cha, </a:t>
-            </a:r>
-            <a:r>
-              <a:rPr lang="en-US" sz="6600" b="1">
-                <a:solidFill>
-                  <a:prstClr val="black"/>
-                </a:solidFill>
-                <a:effectLst>
-                  <a:glow rad="101600">
-                    <a:prstClr val="white">
-                      <a:alpha val="60000"/>
-                    </a:prstClr>
-                  </a:glow>
-                </a:effectLst>
-                <a:latin typeface="HP-Aptima" pitchFamily="34" charset="0"/>
-              </a:rPr>
-              <a:t/>
+              <a:t>Ñöôïc ñi vôùi Cha, </a:t>
             </a:r>
             <a:br>
               <a:rPr lang="en-US" sz="6600" b="1">
@@ -7319,83 +5182,6 @@
               </a:rPr>
               <a:t>löôùt qua. </a:t>
             </a:r>
-          </a:p>
-        </p:txBody>
-      </p:sp>
-      <p:sp>
-        <p:nvSpPr>
-          <p:cNvPr id="3" name="Title 1"/>
-          <p:cNvSpPr txBox="1">
-            <a:spLocks/>
-          </p:cNvSpPr>
-          <p:nvPr/>
-        </p:nvSpPr>
-        <p:spPr>
-          <a:xfrm>
-            <a:off x="152399" y="6019800"/>
-            <a:ext cx="7772401" cy="685800"/>
-          </a:xfrm>
-          <a:prstGeom prst="rect">
-            <a:avLst/>
-          </a:prstGeom>
-        </p:spPr>
-        <p:txBody>
-          <a:bodyPr vert="horz" lIns="91440" tIns="45720" rIns="91440" bIns="45720" rtlCol="0" anchor="ctr">
-            <a:noAutofit/>
-          </a:bodyPr>
-          <a:lstStyle/>
-          <a:p>
-            <a:pPr algn="ctr">
-              <a:spcBef>
-                <a:spcPct val="0"/>
-              </a:spcBef>
-              <a:defRPr/>
-            </a:pPr>
-            <a:r>
-              <a:rPr lang="sv-SE" sz="4000" b="1" smtClean="0">
-                <a:solidFill>
-                  <a:srgbClr val="FFFF00"/>
-                </a:solidFill>
-                <a:effectLst>
-                  <a:glow rad="101600">
-                    <a:prstClr val="black">
-                      <a:alpha val="60000"/>
-                    </a:prstClr>
-                  </a:glow>
-                </a:effectLst>
-                <a:latin typeface="VNI-Mysti" pitchFamily="2" charset="0"/>
-              </a:rPr>
-              <a:t>BÖÔÙC </a:t>
-            </a:r>
-            <a:r>
-              <a:rPr lang="sv-SE" sz="4000" b="1">
-                <a:solidFill>
-                  <a:srgbClr val="FFFF00"/>
-                </a:solidFill>
-                <a:effectLst>
-                  <a:glow rad="101600">
-                    <a:prstClr val="black">
-                      <a:alpha val="60000"/>
-                    </a:prstClr>
-                  </a:glow>
-                </a:effectLst>
-                <a:latin typeface="VNI-Mysti" pitchFamily="2" charset="0"/>
-              </a:rPr>
-              <a:t>VÔÙI CHUÙA YEÂU THÖÔNG</a:t>
-            </a:r>
-            <a:endParaRPr lang="sv-SE" sz="4000" b="1" dirty="0">
-              <a:solidFill>
-                <a:srgbClr val="FFFF00"/>
-              </a:solidFill>
-              <a:effectLst>
-                <a:glow rad="101600">
-                  <a:prstClr val="black">
-                    <a:alpha val="60000"/>
-                  </a:prstClr>
-                </a:glow>
-              </a:effectLst>
-              <a:latin typeface="VNI-Mysti" pitchFamily="2" charset="0"/>
-            </a:endParaRPr>
           </a:p>
         </p:txBody>
       </p:sp>
@@ -7409,13 +5195,6 @@
   <p:clrMapOvr>
     <a:masterClrMapping/>
   </p:clrMapOvr>
-  <p:timing>
-    <p:tnLst>
-      <p:par>
-        <p:cTn id="1" dur="indefinite" restart="never" nodeType="tmRoot"/>
-      </p:par>
-    </p:tnLst>
-  </p:timing>
 </p:sld>
 </file>
 
@@ -7540,83 +5319,6 @@
           </a:p>
         </p:txBody>
       </p:sp>
-      <p:sp>
-        <p:nvSpPr>
-          <p:cNvPr id="3" name="Title 1"/>
-          <p:cNvSpPr txBox="1">
-            <a:spLocks/>
-          </p:cNvSpPr>
-          <p:nvPr/>
-        </p:nvSpPr>
-        <p:spPr>
-          <a:xfrm>
-            <a:off x="152399" y="6019800"/>
-            <a:ext cx="7772401" cy="685800"/>
-          </a:xfrm>
-          <a:prstGeom prst="rect">
-            <a:avLst/>
-          </a:prstGeom>
-        </p:spPr>
-        <p:txBody>
-          <a:bodyPr vert="horz" lIns="91440" tIns="45720" rIns="91440" bIns="45720" rtlCol="0" anchor="ctr">
-            <a:noAutofit/>
-          </a:bodyPr>
-          <a:lstStyle/>
-          <a:p>
-            <a:pPr algn="ctr">
-              <a:spcBef>
-                <a:spcPct val="0"/>
-              </a:spcBef>
-              <a:defRPr/>
-            </a:pPr>
-            <a:r>
-              <a:rPr lang="sv-SE" sz="4000" b="1" smtClean="0">
-                <a:solidFill>
-                  <a:srgbClr val="FFFF00"/>
-                </a:solidFill>
-                <a:effectLst>
-                  <a:glow rad="101600">
-                    <a:prstClr val="black">
-                      <a:alpha val="60000"/>
-                    </a:prstClr>
-                  </a:glow>
-                </a:effectLst>
-                <a:latin typeface="VNI-Mysti" pitchFamily="2" charset="0"/>
-              </a:rPr>
-              <a:t>BÖÔÙC </a:t>
-            </a:r>
-            <a:r>
-              <a:rPr lang="sv-SE" sz="4000" b="1">
-                <a:solidFill>
-                  <a:srgbClr val="FFFF00"/>
-                </a:solidFill>
-                <a:effectLst>
-                  <a:glow rad="101600">
-                    <a:prstClr val="black">
-                      <a:alpha val="60000"/>
-                    </a:prstClr>
-                  </a:glow>
-                </a:effectLst>
-                <a:latin typeface="VNI-Mysti" pitchFamily="2" charset="0"/>
-              </a:rPr>
-              <a:t>VÔÙI CHUÙA YEÂU THÖÔNG</a:t>
-            </a:r>
-            <a:endParaRPr lang="sv-SE" sz="4000" b="1" dirty="0">
-              <a:solidFill>
-                <a:srgbClr val="FFFF00"/>
-              </a:solidFill>
-              <a:effectLst>
-                <a:glow rad="101600">
-                  <a:prstClr val="black">
-                    <a:alpha val="60000"/>
-                  </a:prstClr>
-                </a:glow>
-              </a:effectLst>
-              <a:latin typeface="VNI-Mysti" pitchFamily="2" charset="0"/>
-            </a:endParaRPr>
-          </a:p>
-        </p:txBody>
-      </p:sp>
     </p:spTree>
     <p:extLst>
       <p:ext uri="{BB962C8B-B14F-4D97-AF65-F5344CB8AC3E}">
@@ -7627,13 +5329,6 @@
   <p:clrMapOvr>
     <a:masterClrMapping/>
   </p:clrMapOvr>
-  <p:timing>
-    <p:tnLst>
-      <p:par>
-        <p:cTn id="1" dur="indefinite" restart="never" nodeType="tmRoot"/>
-      </p:par>
-    </p:tnLst>
-  </p:timing>
 </p:sld>
 </file>
 
